--- a/power_point/Algorithms Parallelization in ASIC Design.pptx
+++ b/power_point/Algorithms Parallelization in ASIC Design.pptx
@@ -10,11 +10,20 @@
     <p:sldId id="258" r:id="rId4"/>
     <p:sldId id="259" r:id="rId5"/>
     <p:sldId id="260" r:id="rId6"/>
-    <p:sldId id="261" r:id="rId7"/>
-    <p:sldId id="262" r:id="rId8"/>
-    <p:sldId id="263" r:id="rId9"/>
-    <p:sldId id="264" r:id="rId10"/>
-    <p:sldId id="265" r:id="rId11"/>
+    <p:sldId id="266" r:id="rId7"/>
+    <p:sldId id="268" r:id="rId8"/>
+    <p:sldId id="270" r:id="rId9"/>
+    <p:sldId id="271" r:id="rId10"/>
+    <p:sldId id="269" r:id="rId11"/>
+    <p:sldId id="272" r:id="rId12"/>
+    <p:sldId id="273" r:id="rId13"/>
+    <p:sldId id="274" r:id="rId14"/>
+    <p:sldId id="275" r:id="rId15"/>
+    <p:sldId id="261" r:id="rId16"/>
+    <p:sldId id="262" r:id="rId17"/>
+    <p:sldId id="263" r:id="rId18"/>
+    <p:sldId id="264" r:id="rId19"/>
+    <p:sldId id="267" r:id="rId20"/>
   </p:sldIdLst>
   <p:sldSz cx="12192000" cy="6858000"/>
   <p:notesSz cx="6858000" cy="9144000"/>
@@ -113,6 +122,11 @@
       </a:defRPr>
     </a:lvl9pPr>
   </p:defaultTextStyle>
+  <p:extLst>
+    <p:ext uri="{EFAFB233-063F-42B5-8137-9DF3F51BA10A}">
+      <p15:sldGuideLst xmlns:p15="http://schemas.microsoft.com/office/powerpoint/2012/main"/>
+    </p:ext>
+  </p:extLst>
 </p:presentation>
 </file>
 
@@ -5909,7 +5923,6 @@
               <a:rPr lang="it-IT" sz="2400" dirty="0"/>
               <a:t>Prof. Maurizio Zambon</a:t>
             </a:r>
-            <a:endParaRPr lang="it-IT" sz="2400" dirty="0"/>
           </a:p>
         </p:txBody>
       </p:sp>
@@ -5955,10 +5968,43 @@
         </p:nvSpPr>
         <p:spPr/>
         <p:txBody>
-          <a:bodyPr/>
-          <a:lstStyle/>
-          <a:p>
-            <a:endParaRPr lang="it-IT"/>
+          <a:bodyPr>
+            <a:noAutofit/>
+          </a:bodyPr>
+          <a:lstStyle/>
+          <a:p>
+            <a:r>
+              <a:rPr lang="it-IT" sz="4400" dirty="0">
+                <a:solidFill>
+                  <a:schemeClr val="accent2"/>
+                </a:solidFill>
+              </a:rPr>
+              <a:t>DISCRETE COSINE TRANSFORM</a:t>
+            </a:r>
+            <a:br>
+              <a:rPr lang="it-IT" sz="4400" dirty="0">
+                <a:solidFill>
+                  <a:schemeClr val="accent2"/>
+                </a:solidFill>
+              </a:rPr>
+            </a:br>
+            <a:r>
+              <a:rPr lang="it-IT" sz="4400" dirty="0">
+                <a:solidFill>
+                  <a:schemeClr val="accent2"/>
+                </a:solidFill>
+              </a:rPr>
+              <a:t>LLM-DCT </a:t>
+            </a:r>
+            <a:r>
+              <a:rPr lang="it-IT" sz="4400" dirty="0" err="1">
+                <a:solidFill>
+                  <a:schemeClr val="accent2"/>
+                </a:solidFill>
+              </a:rPr>
+              <a:t>optimization</a:t>
+            </a:r>
+            <a:endParaRPr lang="it-IT" sz="4400" dirty="0"/>
           </a:p>
         </p:txBody>
       </p:sp>
@@ -5972,19 +6018,1898 @@
             <p:ph idx="1"/>
           </p:nvPr>
         </p:nvSpPr>
-        <p:spPr/>
-        <p:txBody>
-          <a:bodyPr/>
-          <a:lstStyle/>
-          <a:p>
-            <a:endParaRPr lang="it-IT"/>
+        <p:spPr>
+          <a:xfrm>
+            <a:off x="677334" y="2446339"/>
+            <a:ext cx="8596668" cy="3880773"/>
+          </a:xfrm>
+        </p:spPr>
+        <p:txBody>
+          <a:bodyPr>
+            <a:normAutofit/>
+          </a:bodyPr>
+          <a:lstStyle/>
+          <a:p>
+            <a:pPr marL="0" indent="0">
+              <a:buNone/>
+            </a:pPr>
+            <a:r>
+              <a:rPr lang="en-US" sz="2400" dirty="0"/>
+              <a:t>There's a faster DCT algorithm, sometimes called LLM for its authors: </a:t>
+            </a:r>
+            <a:r>
+              <a:rPr lang="en-US" sz="2400" dirty="0" err="1"/>
+              <a:t>Loeffler</a:t>
+            </a:r>
+            <a:r>
+              <a:rPr lang="en-US" sz="2400" dirty="0"/>
+              <a:t>, </a:t>
+            </a:r>
+            <a:r>
+              <a:rPr lang="en-US" sz="2400" dirty="0" err="1"/>
+              <a:t>Ligtenberg</a:t>
+            </a:r>
+            <a:r>
+              <a:rPr lang="en-US" sz="2400" dirty="0"/>
+              <a:t>, and </a:t>
+            </a:r>
+            <a:r>
+              <a:rPr lang="en-US" sz="2400" dirty="0" err="1"/>
+              <a:t>Moschytz</a:t>
+            </a:r>
+            <a:r>
+              <a:rPr lang="en-US" sz="2400" dirty="0"/>
+              <a:t>: for a certain kind of matrix (with size 2</a:t>
+            </a:r>
+            <a:r>
+              <a:rPr lang="en-US" sz="2400" baseline="30000" dirty="0"/>
+              <a:t>n</a:t>
+            </a:r>
+            <a:r>
+              <a:rPr lang="en-US" sz="2400" dirty="0"/>
+              <a:t>), we can reduce the number of multiplications.</a:t>
+            </a:r>
+            <a:endParaRPr lang="it-IT" sz="2400" dirty="0"/>
           </a:p>
         </p:txBody>
       </p:sp>
     </p:spTree>
     <p:extLst>
       <p:ext uri="{BB962C8B-B14F-4D97-AF65-F5344CB8AC3E}">
-        <p14:creationId xmlns:p14="http://schemas.microsoft.com/office/powerpoint/2010/main" val="3831450605"/>
+        <p14:creationId xmlns:p14="http://schemas.microsoft.com/office/powerpoint/2010/main" val="3117830816"/>
+      </p:ext>
+    </p:extLst>
+  </p:cSld>
+  <p:clrMapOvr>
+    <a:masterClrMapping/>
+  </p:clrMapOvr>
+</p:sld>
+</file>
+
+<file path=ppt/slides/slide11.xml><?xml version="1.0" encoding="utf-8"?>
+<p:sld xmlns:a="http://schemas.openxmlformats.org/drawingml/2006/main" xmlns:r="http://schemas.openxmlformats.org/officeDocument/2006/relationships" xmlns:p="http://schemas.openxmlformats.org/presentationml/2006/main">
+  <p:cSld>
+    <p:spTree>
+      <p:nvGrpSpPr>
+        <p:cNvPr id="1" name=""/>
+        <p:cNvGrpSpPr/>
+        <p:nvPr/>
+      </p:nvGrpSpPr>
+      <p:grpSpPr>
+        <a:xfrm>
+          <a:off x="0" y="0"/>
+          <a:ext cx="0" cy="0"/>
+          <a:chOff x="0" y="0"/>
+          <a:chExt cx="0" cy="0"/>
+        </a:xfrm>
+      </p:grpSpPr>
+      <p:sp>
+        <p:nvSpPr>
+          <p:cNvPr id="2" name="Titolo 1"/>
+          <p:cNvSpPr>
+            <a:spLocks noGrp="1"/>
+          </p:cNvSpPr>
+          <p:nvPr>
+            <p:ph type="title"/>
+          </p:nvPr>
+        </p:nvSpPr>
+        <p:spPr/>
+        <p:txBody>
+          <a:bodyPr>
+            <a:noAutofit/>
+          </a:bodyPr>
+          <a:lstStyle/>
+          <a:p>
+            <a:r>
+              <a:rPr lang="it-IT" sz="4400" dirty="0">
+                <a:solidFill>
+                  <a:schemeClr val="accent2"/>
+                </a:solidFill>
+              </a:rPr>
+              <a:t>DISCRETE COSINE TRANSFORM</a:t>
+            </a:r>
+            <a:br>
+              <a:rPr lang="it-IT" sz="4400" dirty="0">
+                <a:solidFill>
+                  <a:schemeClr val="accent2"/>
+                </a:solidFill>
+              </a:rPr>
+            </a:br>
+            <a:r>
+              <a:rPr lang="it-IT" sz="4400" dirty="0">
+                <a:solidFill>
+                  <a:schemeClr val="accent2"/>
+                </a:solidFill>
+              </a:rPr>
+              <a:t>Cosine </a:t>
+            </a:r>
+            <a:r>
+              <a:rPr lang="it-IT" sz="4400" dirty="0" err="1">
+                <a:solidFill>
+                  <a:schemeClr val="accent2"/>
+                </a:solidFill>
+              </a:rPr>
+              <a:t>matrix</a:t>
+            </a:r>
+            <a:r>
+              <a:rPr lang="it-IT" sz="4400" dirty="0">
+                <a:solidFill>
+                  <a:schemeClr val="accent2"/>
+                </a:solidFill>
+              </a:rPr>
+              <a:t> for n=8</a:t>
+            </a:r>
+            <a:endParaRPr lang="it-IT" sz="4400" dirty="0"/>
+          </a:p>
+        </p:txBody>
+      </p:sp>
+      <p:sp>
+        <p:nvSpPr>
+          <p:cNvPr id="6" name="Segnaposto contenuto 5"/>
+          <p:cNvSpPr>
+            <a:spLocks noGrp="1"/>
+          </p:cNvSpPr>
+          <p:nvPr>
+            <p:ph idx="1"/>
+          </p:nvPr>
+        </p:nvSpPr>
+        <p:spPr/>
+        <p:txBody>
+          <a:bodyPr/>
+          <a:lstStyle/>
+          <a:p>
+            <a:endParaRPr lang="it-IT"/>
+          </a:p>
+        </p:txBody>
+      </p:sp>
+      <p:pic>
+        <p:nvPicPr>
+          <p:cNvPr id="8" name="Segnaposto contenuto 3"/>
+          <p:cNvPicPr>
+            <a:picLocks noChangeAspect="1"/>
+          </p:cNvPicPr>
+          <p:nvPr/>
+        </p:nvPicPr>
+        <p:blipFill>
+          <a:blip r:embed="rId2"/>
+          <a:stretch>
+            <a:fillRect/>
+          </a:stretch>
+        </p:blipFill>
+        <p:spPr>
+          <a:xfrm>
+            <a:off x="1323023" y="2160588"/>
+            <a:ext cx="8053026" cy="4278312"/>
+          </a:xfrm>
+          <a:prstGeom prst="rect">
+            <a:avLst/>
+          </a:prstGeom>
+        </p:spPr>
+      </p:pic>
+      <p:pic>
+        <p:nvPicPr>
+          <p:cNvPr id="9" name="Immagine 8"/>
+          <p:cNvPicPr>
+            <a:picLocks noChangeAspect="1"/>
+          </p:cNvPicPr>
+          <p:nvPr/>
+        </p:nvPicPr>
+        <p:blipFill>
+          <a:blip r:embed="rId3"/>
+          <a:stretch>
+            <a:fillRect/>
+          </a:stretch>
+        </p:blipFill>
+        <p:spPr>
+          <a:xfrm>
+            <a:off x="1374046" y="2223349"/>
+            <a:ext cx="7950979" cy="4317151"/>
+          </a:xfrm>
+          <a:prstGeom prst="rect">
+            <a:avLst/>
+          </a:prstGeom>
+        </p:spPr>
+      </p:pic>
+    </p:spTree>
+    <p:extLst>
+      <p:ext uri="{BB962C8B-B14F-4D97-AF65-F5344CB8AC3E}">
+        <p14:creationId xmlns:p14="http://schemas.microsoft.com/office/powerpoint/2010/main" val="1400337516"/>
+      </p:ext>
+    </p:extLst>
+  </p:cSld>
+  <p:clrMapOvr>
+    <a:masterClrMapping/>
+  </p:clrMapOvr>
+</p:sld>
+</file>
+
+<file path=ppt/slides/slide12.xml><?xml version="1.0" encoding="utf-8"?>
+<p:sld xmlns:a="http://schemas.openxmlformats.org/drawingml/2006/main" xmlns:r="http://schemas.openxmlformats.org/officeDocument/2006/relationships" xmlns:p="http://schemas.openxmlformats.org/presentationml/2006/main">
+  <p:cSld>
+    <p:spTree>
+      <p:nvGrpSpPr>
+        <p:cNvPr id="1" name=""/>
+        <p:cNvGrpSpPr/>
+        <p:nvPr/>
+      </p:nvGrpSpPr>
+      <p:grpSpPr>
+        <a:xfrm>
+          <a:off x="0" y="0"/>
+          <a:ext cx="0" cy="0"/>
+          <a:chOff x="0" y="0"/>
+          <a:chExt cx="0" cy="0"/>
+        </a:xfrm>
+      </p:grpSpPr>
+      <p:sp>
+        <p:nvSpPr>
+          <p:cNvPr id="2" name="Titolo 1"/>
+          <p:cNvSpPr>
+            <a:spLocks noGrp="1"/>
+          </p:cNvSpPr>
+          <p:nvPr>
+            <p:ph type="title"/>
+          </p:nvPr>
+        </p:nvSpPr>
+        <p:spPr/>
+        <p:txBody>
+          <a:bodyPr>
+            <a:noAutofit/>
+          </a:bodyPr>
+          <a:lstStyle/>
+          <a:p>
+            <a:r>
+              <a:rPr lang="it-IT" sz="4400" dirty="0">
+                <a:solidFill>
+                  <a:schemeClr val="accent2"/>
+                </a:solidFill>
+              </a:rPr>
+              <a:t>DISCRETE COSINE TRANSFORM</a:t>
+            </a:r>
+            <a:br>
+              <a:rPr lang="it-IT" sz="4400" dirty="0">
+                <a:solidFill>
+                  <a:schemeClr val="accent2"/>
+                </a:solidFill>
+              </a:rPr>
+            </a:br>
+            <a:r>
+              <a:rPr lang="it-IT" sz="4400" dirty="0">
+                <a:solidFill>
+                  <a:schemeClr val="accent2"/>
+                </a:solidFill>
+              </a:rPr>
+              <a:t>Cosine </a:t>
+            </a:r>
+            <a:r>
+              <a:rPr lang="it-IT" sz="4400" dirty="0" err="1">
+                <a:solidFill>
+                  <a:schemeClr val="accent2"/>
+                </a:solidFill>
+              </a:rPr>
+              <a:t>matrix</a:t>
+            </a:r>
+            <a:r>
+              <a:rPr lang="it-IT" sz="4400" dirty="0">
+                <a:solidFill>
+                  <a:schemeClr val="accent2"/>
+                </a:solidFill>
+              </a:rPr>
+              <a:t> for n=8</a:t>
+            </a:r>
+            <a:endParaRPr lang="it-IT" sz="4400" dirty="0"/>
+          </a:p>
+        </p:txBody>
+      </p:sp>
+      <p:pic>
+        <p:nvPicPr>
+          <p:cNvPr id="4" name="Segnaposto contenuto 3"/>
+          <p:cNvPicPr>
+            <a:picLocks noGrp="1" noChangeAspect="1"/>
+          </p:cNvPicPr>
+          <p:nvPr>
+            <p:ph idx="1"/>
+          </p:nvPr>
+        </p:nvPicPr>
+        <p:blipFill>
+          <a:blip r:embed="rId2"/>
+          <a:stretch>
+            <a:fillRect/>
+          </a:stretch>
+        </p:blipFill>
+        <p:spPr>
+          <a:xfrm>
+            <a:off x="1323023" y="2230438"/>
+            <a:ext cx="8053026" cy="4278312"/>
+          </a:xfrm>
+          <a:prstGeom prst="rect">
+            <a:avLst/>
+          </a:prstGeom>
+        </p:spPr>
+      </p:pic>
+    </p:spTree>
+    <p:extLst>
+      <p:ext uri="{BB962C8B-B14F-4D97-AF65-F5344CB8AC3E}">
+        <p14:creationId xmlns:p14="http://schemas.microsoft.com/office/powerpoint/2010/main" val="1459512399"/>
+      </p:ext>
+    </p:extLst>
+  </p:cSld>
+  <p:clrMapOvr>
+    <a:masterClrMapping/>
+  </p:clrMapOvr>
+</p:sld>
+</file>
+
+<file path=ppt/slides/slide13.xml><?xml version="1.0" encoding="utf-8"?>
+<p:sld xmlns:a="http://schemas.openxmlformats.org/drawingml/2006/main" xmlns:r="http://schemas.openxmlformats.org/officeDocument/2006/relationships" xmlns:p="http://schemas.openxmlformats.org/presentationml/2006/main">
+  <p:cSld>
+    <p:spTree>
+      <p:nvGrpSpPr>
+        <p:cNvPr id="1" name=""/>
+        <p:cNvGrpSpPr/>
+        <p:nvPr/>
+      </p:nvGrpSpPr>
+      <p:grpSpPr>
+        <a:xfrm>
+          <a:off x="0" y="0"/>
+          <a:ext cx="0" cy="0"/>
+          <a:chOff x="0" y="0"/>
+          <a:chExt cx="0" cy="0"/>
+        </a:xfrm>
+      </p:grpSpPr>
+      <p:sp>
+        <p:nvSpPr>
+          <p:cNvPr id="2" name="Titolo 1"/>
+          <p:cNvSpPr>
+            <a:spLocks noGrp="1"/>
+          </p:cNvSpPr>
+          <p:nvPr>
+            <p:ph type="title"/>
+          </p:nvPr>
+        </p:nvSpPr>
+        <p:spPr>
+          <a:xfrm>
+            <a:off x="626534" y="304800"/>
+            <a:ext cx="8596668" cy="1320800"/>
+          </a:xfrm>
+        </p:spPr>
+        <p:txBody>
+          <a:bodyPr>
+            <a:noAutofit/>
+          </a:bodyPr>
+          <a:lstStyle/>
+          <a:p>
+            <a:r>
+              <a:rPr lang="it-IT" sz="4400" dirty="0">
+                <a:solidFill>
+                  <a:schemeClr val="accent2"/>
+                </a:solidFill>
+              </a:rPr>
+              <a:t>DISCRETE COSINE TRANSFORM</a:t>
+            </a:r>
+            <a:br>
+              <a:rPr lang="it-IT" sz="4400" dirty="0">
+                <a:solidFill>
+                  <a:schemeClr val="accent2"/>
+                </a:solidFill>
+              </a:rPr>
+            </a:br>
+            <a:r>
+              <a:rPr lang="it-IT" sz="4400" dirty="0">
+                <a:solidFill>
+                  <a:schemeClr val="accent2"/>
+                </a:solidFill>
+              </a:rPr>
+              <a:t>LLM 8-DCT </a:t>
+            </a:r>
+            <a:r>
+              <a:rPr lang="it-IT" sz="4400" dirty="0" err="1">
+                <a:solidFill>
+                  <a:schemeClr val="accent2"/>
+                </a:solidFill>
+              </a:rPr>
+              <a:t>implementation</a:t>
+            </a:r>
+            <a:endParaRPr lang="it-IT" sz="4400" dirty="0"/>
+          </a:p>
+        </p:txBody>
+      </p:sp>
+      <p:pic>
+        <p:nvPicPr>
+          <p:cNvPr id="4" name="Segnaposto contenuto 3"/>
+          <p:cNvPicPr>
+            <a:picLocks noGrp="1" noChangeAspect="1"/>
+          </p:cNvPicPr>
+          <p:nvPr>
+            <p:ph idx="1"/>
+          </p:nvPr>
+        </p:nvPicPr>
+        <p:blipFill>
+          <a:blip r:embed="rId2"/>
+          <a:stretch>
+            <a:fillRect/>
+          </a:stretch>
+        </p:blipFill>
+        <p:spPr>
+          <a:xfrm>
+            <a:off x="2235200" y="1748807"/>
+            <a:ext cx="5168900" cy="5008001"/>
+          </a:xfrm>
+          <a:prstGeom prst="rect">
+            <a:avLst/>
+          </a:prstGeom>
+        </p:spPr>
+      </p:pic>
+    </p:spTree>
+    <p:extLst>
+      <p:ext uri="{BB962C8B-B14F-4D97-AF65-F5344CB8AC3E}">
+        <p14:creationId xmlns:p14="http://schemas.microsoft.com/office/powerpoint/2010/main" val="1703945640"/>
+      </p:ext>
+    </p:extLst>
+  </p:cSld>
+  <p:clrMapOvr>
+    <a:masterClrMapping/>
+  </p:clrMapOvr>
+</p:sld>
+</file>
+
+<file path=ppt/slides/slide14.xml><?xml version="1.0" encoding="utf-8"?>
+<p:sld xmlns:a="http://schemas.openxmlformats.org/drawingml/2006/main" xmlns:r="http://schemas.openxmlformats.org/officeDocument/2006/relationships" xmlns:p="http://schemas.openxmlformats.org/presentationml/2006/main">
+  <p:cSld>
+    <p:spTree>
+      <p:nvGrpSpPr>
+        <p:cNvPr id="1" name=""/>
+        <p:cNvGrpSpPr/>
+        <p:nvPr/>
+      </p:nvGrpSpPr>
+      <p:grpSpPr>
+        <a:xfrm>
+          <a:off x="0" y="0"/>
+          <a:ext cx="0" cy="0"/>
+          <a:chOff x="0" y="0"/>
+          <a:chExt cx="0" cy="0"/>
+        </a:xfrm>
+      </p:grpSpPr>
+      <p:sp>
+        <p:nvSpPr>
+          <p:cNvPr id="2" name="Titolo 1"/>
+          <p:cNvSpPr>
+            <a:spLocks noGrp="1"/>
+          </p:cNvSpPr>
+          <p:nvPr>
+            <p:ph type="title"/>
+          </p:nvPr>
+        </p:nvSpPr>
+        <p:spPr/>
+        <p:txBody>
+          <a:bodyPr>
+            <a:noAutofit/>
+          </a:bodyPr>
+          <a:lstStyle/>
+          <a:p>
+            <a:r>
+              <a:rPr lang="it-IT" sz="4400" dirty="0">
+                <a:solidFill>
+                  <a:schemeClr val="accent2"/>
+                </a:solidFill>
+              </a:rPr>
+              <a:t>DISCRETE COSINE TRANSFORM</a:t>
+            </a:r>
+            <a:br>
+              <a:rPr lang="it-IT" sz="4400" dirty="0">
+                <a:solidFill>
+                  <a:schemeClr val="accent2"/>
+                </a:solidFill>
+              </a:rPr>
+            </a:br>
+            <a:r>
+              <a:rPr lang="it-IT" sz="4400" dirty="0" err="1">
+                <a:solidFill>
+                  <a:schemeClr val="accent2"/>
+                </a:solidFill>
+              </a:rPr>
+              <a:t>Results</a:t>
+            </a:r>
+            <a:endParaRPr lang="it-IT" sz="4400" dirty="0"/>
+          </a:p>
+        </p:txBody>
+      </p:sp>
+      <p:sp>
+        <p:nvSpPr>
+          <p:cNvPr id="3" name="Segnaposto contenuto 2"/>
+          <p:cNvSpPr>
+            <a:spLocks noGrp="1"/>
+          </p:cNvSpPr>
+          <p:nvPr>
+            <p:ph idx="1"/>
+          </p:nvPr>
+        </p:nvSpPr>
+        <p:spPr/>
+        <p:txBody>
+          <a:bodyPr/>
+          <a:lstStyle/>
+          <a:p>
+            <a:endParaRPr lang="it-IT"/>
+          </a:p>
+        </p:txBody>
+      </p:sp>
+    </p:spTree>
+    <p:extLst>
+      <p:ext uri="{BB962C8B-B14F-4D97-AF65-F5344CB8AC3E}">
+        <p14:creationId xmlns:p14="http://schemas.microsoft.com/office/powerpoint/2010/main" val="1109593609"/>
+      </p:ext>
+    </p:extLst>
+  </p:cSld>
+  <p:clrMapOvr>
+    <a:masterClrMapping/>
+  </p:clrMapOvr>
+</p:sld>
+</file>
+
+<file path=ppt/slides/slide15.xml><?xml version="1.0" encoding="utf-8"?>
+<p:sld xmlns:a="http://schemas.openxmlformats.org/drawingml/2006/main" xmlns:r="http://schemas.openxmlformats.org/officeDocument/2006/relationships" xmlns:p="http://schemas.openxmlformats.org/presentationml/2006/main">
+  <p:cSld>
+    <p:spTree>
+      <p:nvGrpSpPr>
+        <p:cNvPr id="1" name=""/>
+        <p:cNvGrpSpPr/>
+        <p:nvPr/>
+      </p:nvGrpSpPr>
+      <p:grpSpPr>
+        <a:xfrm>
+          <a:off x="0" y="0"/>
+          <a:ext cx="0" cy="0"/>
+          <a:chOff x="0" y="0"/>
+          <a:chExt cx="0" cy="0"/>
+        </a:xfrm>
+      </p:grpSpPr>
+      <p:sp>
+        <p:nvSpPr>
+          <p:cNvPr id="2" name="Titolo 1"/>
+          <p:cNvSpPr>
+            <a:spLocks noGrp="1"/>
+          </p:cNvSpPr>
+          <p:nvPr>
+            <p:ph type="title"/>
+          </p:nvPr>
+        </p:nvSpPr>
+        <p:spPr/>
+        <p:txBody>
+          <a:bodyPr>
+            <a:normAutofit/>
+          </a:bodyPr>
+          <a:lstStyle/>
+          <a:p>
+            <a:r>
+              <a:rPr lang="it-IT" sz="4400" dirty="0">
+                <a:solidFill>
+                  <a:schemeClr val="accent2"/>
+                </a:solidFill>
+              </a:rPr>
+              <a:t>BINOMIAL FILTER</a:t>
+            </a:r>
+            <a:endParaRPr lang="it-IT" sz="4400" dirty="0"/>
+          </a:p>
+        </p:txBody>
+      </p:sp>
+      <p:pic>
+        <p:nvPicPr>
+          <p:cNvPr id="4" name="Segnaposto contenuto 3"/>
+          <p:cNvPicPr>
+            <a:picLocks noGrp="1" noChangeAspect="1"/>
+          </p:cNvPicPr>
+          <p:nvPr>
+            <p:ph idx="1"/>
+          </p:nvPr>
+        </p:nvPicPr>
+        <p:blipFill>
+          <a:blip r:embed="rId2"/>
+          <a:stretch>
+            <a:fillRect/>
+          </a:stretch>
+        </p:blipFill>
+        <p:spPr>
+          <a:xfrm>
+            <a:off x="3129280" y="2743050"/>
+            <a:ext cx="3967479" cy="3936921"/>
+          </a:xfrm>
+          <a:prstGeom prst="rect">
+            <a:avLst/>
+          </a:prstGeom>
+        </p:spPr>
+      </p:pic>
+      <p:sp>
+        <p:nvSpPr>
+          <p:cNvPr id="5" name="Rettangolo 4"/>
+          <p:cNvSpPr/>
+          <p:nvPr/>
+        </p:nvSpPr>
+        <p:spPr>
+          <a:xfrm>
+            <a:off x="640080" y="1769795"/>
+            <a:ext cx="8945880" cy="830997"/>
+          </a:xfrm>
+          <a:prstGeom prst="rect">
+            <a:avLst/>
+          </a:prstGeom>
+        </p:spPr>
+        <p:txBody>
+          <a:bodyPr wrap="square">
+            <a:spAutoFit/>
+          </a:bodyPr>
+          <a:lstStyle/>
+          <a:p>
+            <a:r>
+              <a:rPr lang="it-IT" sz="2400" dirty="0" err="1"/>
+              <a:t>It’s</a:t>
+            </a:r>
+            <a:r>
+              <a:rPr lang="it-IT" sz="2400" dirty="0"/>
+              <a:t> a </a:t>
+            </a:r>
+            <a:r>
+              <a:rPr lang="it-IT" sz="2400" dirty="0" err="1"/>
+              <a:t>weighted</a:t>
+            </a:r>
+            <a:r>
+              <a:rPr lang="it-IT" sz="2400" dirty="0"/>
+              <a:t> </a:t>
+            </a:r>
+            <a:r>
+              <a:rPr lang="it-IT" sz="2400" dirty="0" err="1"/>
+              <a:t>mean</a:t>
+            </a:r>
+            <a:r>
+              <a:rPr lang="it-IT" sz="2400" dirty="0"/>
+              <a:t> </a:t>
+            </a:r>
+            <a:r>
+              <a:rPr lang="it-IT" sz="2400" dirty="0" err="1"/>
+              <a:t>using</a:t>
+            </a:r>
+            <a:r>
+              <a:rPr lang="it-IT" sz="2400" dirty="0"/>
+              <a:t> </a:t>
+            </a:r>
+            <a:r>
+              <a:rPr lang="it-IT" sz="2400" dirty="0" err="1"/>
+              <a:t>binomial</a:t>
+            </a:r>
+            <a:r>
+              <a:rPr lang="it-IT" sz="2400" dirty="0"/>
+              <a:t> </a:t>
+            </a:r>
+            <a:r>
+              <a:rPr lang="it-IT" sz="2400" dirty="0" err="1"/>
+              <a:t>coefficients</a:t>
+            </a:r>
+            <a:r>
+              <a:rPr lang="it-IT" sz="2400" dirty="0"/>
+              <a:t> </a:t>
+            </a:r>
+            <a:r>
+              <a:rPr lang="it-IT" sz="2400" dirty="0" err="1"/>
+              <a:t>between</a:t>
+            </a:r>
+            <a:r>
+              <a:rPr lang="it-IT" sz="2400" dirty="0"/>
+              <a:t> the </a:t>
+            </a:r>
+            <a:r>
+              <a:rPr lang="it-IT" sz="2400" dirty="0" err="1"/>
+              <a:t>cell</a:t>
+            </a:r>
+            <a:r>
+              <a:rPr lang="it-IT" sz="2400" dirty="0"/>
+              <a:t> with the </a:t>
+            </a:r>
+            <a:r>
+              <a:rPr lang="it-IT" sz="2400" dirty="0" err="1"/>
+              <a:t>neighborhood</a:t>
+            </a:r>
+            <a:r>
+              <a:rPr lang="it-IT" sz="2400" dirty="0"/>
+              <a:t>.</a:t>
+            </a:r>
+          </a:p>
+        </p:txBody>
+      </p:sp>
+    </p:spTree>
+    <p:extLst>
+      <p:ext uri="{BB962C8B-B14F-4D97-AF65-F5344CB8AC3E}">
+        <p14:creationId xmlns:p14="http://schemas.microsoft.com/office/powerpoint/2010/main" val="2274992231"/>
+      </p:ext>
+    </p:extLst>
+  </p:cSld>
+  <p:clrMapOvr>
+    <a:masterClrMapping/>
+  </p:clrMapOvr>
+</p:sld>
+</file>
+
+<file path=ppt/slides/slide16.xml><?xml version="1.0" encoding="utf-8"?>
+<p:sld xmlns:a="http://schemas.openxmlformats.org/drawingml/2006/main" xmlns:r="http://schemas.openxmlformats.org/officeDocument/2006/relationships" xmlns:p="http://schemas.openxmlformats.org/presentationml/2006/main">
+  <p:cSld>
+    <p:spTree>
+      <p:nvGrpSpPr>
+        <p:cNvPr id="1" name=""/>
+        <p:cNvGrpSpPr/>
+        <p:nvPr/>
+      </p:nvGrpSpPr>
+      <p:grpSpPr>
+        <a:xfrm>
+          <a:off x="0" y="0"/>
+          <a:ext cx="0" cy="0"/>
+          <a:chOff x="0" y="0"/>
+          <a:chExt cx="0" cy="0"/>
+        </a:xfrm>
+      </p:grpSpPr>
+      <p:sp>
+        <p:nvSpPr>
+          <p:cNvPr id="2" name="Titolo 1"/>
+          <p:cNvSpPr>
+            <a:spLocks noGrp="1"/>
+          </p:cNvSpPr>
+          <p:nvPr>
+            <p:ph type="title"/>
+          </p:nvPr>
+        </p:nvSpPr>
+        <p:spPr/>
+        <p:txBody>
+          <a:bodyPr>
+            <a:noAutofit/>
+          </a:bodyPr>
+          <a:lstStyle/>
+          <a:p>
+            <a:r>
+              <a:rPr lang="it-IT" sz="4400" dirty="0">
+                <a:solidFill>
+                  <a:schemeClr val="accent2"/>
+                </a:solidFill>
+              </a:rPr>
+              <a:t>BINOMIAL FILTER</a:t>
+            </a:r>
+            <a:br>
+              <a:rPr lang="it-IT" sz="4400" dirty="0">
+                <a:solidFill>
+                  <a:schemeClr val="accent2"/>
+                </a:solidFill>
+              </a:rPr>
+            </a:br>
+            <a:r>
+              <a:rPr lang="it-IT" sz="4400" dirty="0">
+                <a:solidFill>
+                  <a:schemeClr val="accent2"/>
+                </a:solidFill>
+              </a:rPr>
+              <a:t>Common </a:t>
+            </a:r>
+            <a:r>
+              <a:rPr lang="it-IT" sz="4400" dirty="0" err="1">
+                <a:solidFill>
+                  <a:schemeClr val="accent2"/>
+                </a:solidFill>
+              </a:rPr>
+              <a:t>method</a:t>
+            </a:r>
+            <a:r>
+              <a:rPr lang="it-IT" sz="4400" dirty="0">
+                <a:solidFill>
+                  <a:schemeClr val="accent2"/>
+                </a:solidFill>
+              </a:rPr>
+              <a:t> </a:t>
+            </a:r>
+            <a:endParaRPr lang="it-IT" sz="4400" dirty="0"/>
+          </a:p>
+        </p:txBody>
+      </p:sp>
+      <p:sp>
+        <p:nvSpPr>
+          <p:cNvPr id="3" name="Segnaposto contenuto 2"/>
+          <p:cNvSpPr>
+            <a:spLocks noGrp="1"/>
+          </p:cNvSpPr>
+          <p:nvPr>
+            <p:ph idx="1"/>
+          </p:nvPr>
+        </p:nvSpPr>
+        <p:spPr>
+          <a:xfrm>
+            <a:off x="4561840" y="2160589"/>
+            <a:ext cx="4712162" cy="3346131"/>
+          </a:xfrm>
+        </p:spPr>
+        <p:txBody>
+          <a:bodyPr/>
+          <a:lstStyle/>
+          <a:p>
+            <a:pPr marL="0" indent="0">
+              <a:buNone/>
+            </a:pPr>
+            <a:r>
+              <a:rPr lang="it-IT" dirty="0" err="1"/>
+              <a:t>Usually</a:t>
+            </a:r>
+            <a:r>
+              <a:rPr lang="it-IT" dirty="0"/>
+              <a:t> </a:t>
+            </a:r>
+            <a:r>
+              <a:rPr lang="it-IT" dirty="0" err="1"/>
+              <a:t>you</a:t>
+            </a:r>
+            <a:r>
+              <a:rPr lang="it-IT" dirty="0"/>
+              <a:t> </a:t>
+            </a:r>
+            <a:r>
+              <a:rPr lang="it-IT" dirty="0" err="1"/>
+              <a:t>would</a:t>
+            </a:r>
+            <a:r>
+              <a:rPr lang="it-IT" dirty="0"/>
+              <a:t> compute the </a:t>
+            </a:r>
+            <a:r>
+              <a:rPr lang="it-IT" dirty="0" err="1"/>
+              <a:t>Binomial</a:t>
+            </a:r>
+            <a:r>
+              <a:rPr lang="it-IT" dirty="0"/>
+              <a:t> </a:t>
+            </a:r>
+            <a:r>
+              <a:rPr lang="it-IT" dirty="0" err="1"/>
+              <a:t>Filter</a:t>
+            </a:r>
+            <a:r>
+              <a:rPr lang="it-IT" dirty="0"/>
+              <a:t> for </a:t>
+            </a:r>
+            <a:r>
+              <a:rPr lang="it-IT" dirty="0" err="1"/>
+              <a:t>each</a:t>
+            </a:r>
+            <a:r>
+              <a:rPr lang="it-IT" dirty="0"/>
+              <a:t> </a:t>
+            </a:r>
+            <a:r>
+              <a:rPr lang="it-IT" dirty="0" err="1"/>
+              <a:t>cells</a:t>
+            </a:r>
+            <a:r>
+              <a:rPr lang="it-IT" dirty="0"/>
+              <a:t>, </a:t>
+            </a:r>
+            <a:r>
+              <a:rPr lang="it-IT" dirty="0" err="1"/>
+              <a:t>which</a:t>
+            </a:r>
+            <a:r>
+              <a:rPr lang="it-IT" dirty="0"/>
+              <a:t> </a:t>
+            </a:r>
+            <a:r>
+              <a:rPr lang="it-IT" dirty="0" err="1"/>
+              <a:t>requires</a:t>
+            </a:r>
+            <a:r>
+              <a:rPr lang="it-IT" dirty="0"/>
+              <a:t> 5 </a:t>
+            </a:r>
+            <a:r>
+              <a:rPr lang="it-IT" dirty="0" err="1"/>
+              <a:t>multiplications</a:t>
+            </a:r>
+            <a:r>
+              <a:rPr lang="it-IT" dirty="0"/>
+              <a:t>, 8 </a:t>
+            </a:r>
+            <a:r>
+              <a:rPr lang="it-IT" dirty="0" err="1"/>
+              <a:t>additions</a:t>
+            </a:r>
+            <a:r>
+              <a:rPr lang="it-IT" dirty="0"/>
+              <a:t>, one </a:t>
+            </a:r>
+            <a:r>
+              <a:rPr lang="it-IT" dirty="0" err="1"/>
+              <a:t>divisions</a:t>
+            </a:r>
+            <a:r>
+              <a:rPr lang="it-IT" dirty="0"/>
+              <a:t>.</a:t>
+            </a:r>
+          </a:p>
+          <a:p>
+            <a:pPr marL="0" indent="0">
+              <a:buNone/>
+            </a:pPr>
+            <a:endParaRPr lang="it-IT" dirty="0"/>
+          </a:p>
+          <a:p>
+            <a:pPr marL="0" indent="0">
+              <a:buNone/>
+            </a:pPr>
+            <a:r>
+              <a:rPr lang="it-IT" dirty="0"/>
+              <a:t>OVERALL:</a:t>
+            </a:r>
+          </a:p>
+          <a:p>
+            <a:pPr marL="0" indent="0">
+              <a:buNone/>
+            </a:pPr>
+            <a:r>
+              <a:rPr lang="it-IT" dirty="0"/>
+              <a:t>-NxNx5 </a:t>
+            </a:r>
+            <a:r>
+              <a:rPr lang="it-IT" dirty="0" err="1"/>
+              <a:t>multiplications</a:t>
+            </a:r>
+            <a:endParaRPr lang="it-IT" dirty="0"/>
+          </a:p>
+          <a:p>
+            <a:pPr marL="0" indent="0">
+              <a:buNone/>
+            </a:pPr>
+            <a:r>
+              <a:rPr lang="it-IT" dirty="0"/>
+              <a:t>-NxNx8 </a:t>
+            </a:r>
+            <a:r>
+              <a:rPr lang="it-IT" dirty="0" err="1"/>
+              <a:t>additions</a:t>
+            </a:r>
+            <a:endParaRPr lang="it-IT" dirty="0"/>
+          </a:p>
+          <a:p>
+            <a:pPr marL="0" indent="0">
+              <a:buNone/>
+            </a:pPr>
+            <a:r>
+              <a:rPr lang="it-IT" dirty="0"/>
+              <a:t>-</a:t>
+            </a:r>
+            <a:r>
+              <a:rPr lang="it-IT" dirty="0" err="1"/>
+              <a:t>NxN</a:t>
+            </a:r>
+            <a:r>
+              <a:rPr lang="it-IT" dirty="0"/>
+              <a:t> </a:t>
+            </a:r>
+            <a:r>
+              <a:rPr lang="it-IT" dirty="0" err="1"/>
+              <a:t>divisions</a:t>
+            </a:r>
+            <a:endParaRPr lang="it-IT" dirty="0"/>
+          </a:p>
+        </p:txBody>
+      </p:sp>
+      <p:pic>
+        <p:nvPicPr>
+          <p:cNvPr id="4" name="Immagine 3"/>
+          <p:cNvPicPr>
+            <a:picLocks noChangeAspect="1"/>
+          </p:cNvPicPr>
+          <p:nvPr/>
+        </p:nvPicPr>
+        <p:blipFill>
+          <a:blip r:embed="rId2"/>
+          <a:stretch>
+            <a:fillRect/>
+          </a:stretch>
+        </p:blipFill>
+        <p:spPr>
+          <a:xfrm>
+            <a:off x="872038" y="2565400"/>
+            <a:ext cx="3482656" cy="2839721"/>
+          </a:xfrm>
+          <a:prstGeom prst="rect">
+            <a:avLst/>
+          </a:prstGeom>
+        </p:spPr>
+      </p:pic>
+    </p:spTree>
+    <p:extLst>
+      <p:ext uri="{BB962C8B-B14F-4D97-AF65-F5344CB8AC3E}">
+        <p14:creationId xmlns:p14="http://schemas.microsoft.com/office/powerpoint/2010/main" val="4002016739"/>
+      </p:ext>
+    </p:extLst>
+  </p:cSld>
+  <p:clrMapOvr>
+    <a:masterClrMapping/>
+  </p:clrMapOvr>
+</p:sld>
+</file>
+
+<file path=ppt/slides/slide17.xml><?xml version="1.0" encoding="utf-8"?>
+<p:sld xmlns:a="http://schemas.openxmlformats.org/drawingml/2006/main" xmlns:r="http://schemas.openxmlformats.org/officeDocument/2006/relationships" xmlns:p="http://schemas.openxmlformats.org/presentationml/2006/main">
+  <p:cSld>
+    <p:spTree>
+      <p:nvGrpSpPr>
+        <p:cNvPr id="1" name=""/>
+        <p:cNvGrpSpPr/>
+        <p:nvPr/>
+      </p:nvGrpSpPr>
+      <p:grpSpPr>
+        <a:xfrm>
+          <a:off x="0" y="0"/>
+          <a:ext cx="0" cy="0"/>
+          <a:chOff x="0" y="0"/>
+          <a:chExt cx="0" cy="0"/>
+        </a:xfrm>
+      </p:grpSpPr>
+      <p:sp>
+        <p:nvSpPr>
+          <p:cNvPr id="2" name="Titolo 1"/>
+          <p:cNvSpPr>
+            <a:spLocks noGrp="1"/>
+          </p:cNvSpPr>
+          <p:nvPr>
+            <p:ph type="title"/>
+          </p:nvPr>
+        </p:nvSpPr>
+        <p:spPr/>
+        <p:txBody>
+          <a:bodyPr>
+            <a:noAutofit/>
+          </a:bodyPr>
+          <a:lstStyle/>
+          <a:p>
+            <a:r>
+              <a:rPr lang="it-IT" sz="4400" dirty="0">
+                <a:solidFill>
+                  <a:schemeClr val="accent2"/>
+                </a:solidFill>
+              </a:rPr>
+              <a:t>BINOMIAL FILTER</a:t>
+            </a:r>
+            <a:br>
+              <a:rPr lang="it-IT" sz="4400" dirty="0">
+                <a:solidFill>
+                  <a:schemeClr val="accent2"/>
+                </a:solidFill>
+              </a:rPr>
+            </a:br>
+            <a:r>
+              <a:rPr lang="it-IT" sz="4400" dirty="0" err="1">
+                <a:solidFill>
+                  <a:schemeClr val="accent2"/>
+                </a:solidFill>
+              </a:rPr>
+              <a:t>Optimization</a:t>
+            </a:r>
+            <a:r>
+              <a:rPr lang="it-IT" sz="4400" dirty="0">
+                <a:solidFill>
+                  <a:schemeClr val="accent2"/>
+                </a:solidFill>
+              </a:rPr>
+              <a:t> 1</a:t>
+            </a:r>
+            <a:endParaRPr lang="it-IT" sz="4400" dirty="0"/>
+          </a:p>
+        </p:txBody>
+      </p:sp>
+      <p:sp>
+        <p:nvSpPr>
+          <p:cNvPr id="3" name="Segnaposto contenuto 2"/>
+          <p:cNvSpPr>
+            <a:spLocks noGrp="1"/>
+          </p:cNvSpPr>
+          <p:nvPr>
+            <p:ph idx="1"/>
+          </p:nvPr>
+        </p:nvSpPr>
+        <p:spPr/>
+        <p:txBody>
+          <a:bodyPr>
+            <a:normAutofit/>
+          </a:bodyPr>
+          <a:lstStyle/>
+          <a:p>
+            <a:pPr marL="0" indent="0">
+              <a:buNone/>
+            </a:pPr>
+            <a:r>
+              <a:rPr lang="it-IT" sz="2400" dirty="0"/>
+              <a:t>No </a:t>
+            </a:r>
+            <a:r>
+              <a:rPr lang="it-IT" sz="2400" dirty="0" err="1"/>
+              <a:t>need</a:t>
+            </a:r>
+            <a:r>
+              <a:rPr lang="it-IT" sz="2400" dirty="0"/>
+              <a:t> for a </a:t>
+            </a:r>
+            <a:r>
+              <a:rPr lang="it-IT" sz="2400" dirty="0" err="1"/>
+              <a:t>logic</a:t>
+            </a:r>
+            <a:r>
+              <a:rPr lang="it-IT" sz="2400" dirty="0"/>
+              <a:t> to do </a:t>
+            </a:r>
+            <a:r>
+              <a:rPr lang="it-IT" sz="2400" dirty="0" err="1"/>
+              <a:t>multiplication</a:t>
+            </a:r>
+            <a:r>
+              <a:rPr lang="it-IT" sz="2400" dirty="0"/>
+              <a:t> and </a:t>
+            </a:r>
+            <a:r>
+              <a:rPr lang="it-IT" sz="2400" dirty="0" err="1"/>
+              <a:t>division</a:t>
+            </a:r>
+            <a:r>
+              <a:rPr lang="it-IT" sz="2400" dirty="0"/>
+              <a:t>, just «shift», </a:t>
+            </a:r>
+            <a:r>
+              <a:rPr lang="it-IT" sz="2400" dirty="0" err="1"/>
+              <a:t>everything</a:t>
+            </a:r>
+            <a:r>
+              <a:rPr lang="it-IT" sz="2400" dirty="0"/>
+              <a:t> </a:t>
+            </a:r>
+            <a:r>
+              <a:rPr lang="it-IT" sz="2400" dirty="0" err="1"/>
+              <a:t>is</a:t>
+            </a:r>
+            <a:r>
+              <a:rPr lang="it-IT" sz="2400" dirty="0"/>
+              <a:t> </a:t>
+            </a:r>
+            <a:r>
+              <a:rPr lang="it-IT" sz="2400" dirty="0" err="1"/>
+              <a:t>encoded</a:t>
+            </a:r>
+            <a:r>
+              <a:rPr lang="it-IT" sz="2400" dirty="0"/>
+              <a:t> in </a:t>
+            </a:r>
+            <a:r>
+              <a:rPr lang="it-IT" sz="2400" dirty="0" err="1"/>
+              <a:t>binary</a:t>
+            </a:r>
+            <a:endParaRPr lang="it-IT" sz="2400" dirty="0"/>
+          </a:p>
+          <a:p>
+            <a:pPr marL="0" indent="0">
+              <a:buNone/>
+            </a:pPr>
+            <a:endParaRPr lang="it-IT" sz="2400" dirty="0"/>
+          </a:p>
+          <a:p>
+            <a:pPr marL="0" indent="0">
+              <a:buNone/>
+            </a:pPr>
+            <a:r>
+              <a:rPr lang="it-IT" sz="2400" dirty="0"/>
+              <a:t>Shift </a:t>
+            </a:r>
+            <a:r>
+              <a:rPr lang="it-IT" sz="2400" dirty="0" err="1"/>
+              <a:t>left</a:t>
+            </a:r>
+            <a:r>
+              <a:rPr lang="it-IT" sz="2400" dirty="0"/>
+              <a:t> by 1,2, ..n positions </a:t>
+            </a:r>
+            <a:r>
+              <a:rPr lang="it-IT" sz="2400" dirty="0">
+                <a:sym typeface="Wingdings" panose="05000000000000000000" pitchFamily="2" charset="2"/>
+              </a:rPr>
+              <a:t> </a:t>
+            </a:r>
+            <a:r>
+              <a:rPr lang="it-IT" sz="2400" dirty="0" err="1">
+                <a:sym typeface="Wingdings" panose="05000000000000000000" pitchFamily="2" charset="2"/>
+              </a:rPr>
+              <a:t>multiply</a:t>
+            </a:r>
+            <a:r>
+              <a:rPr lang="it-IT" sz="2400" dirty="0">
+                <a:sym typeface="Wingdings" panose="05000000000000000000" pitchFamily="2" charset="2"/>
+              </a:rPr>
+              <a:t> by 2</a:t>
+            </a:r>
+            <a:r>
+              <a:rPr lang="it-IT" sz="2400" baseline="30000" dirty="0">
+                <a:sym typeface="Wingdings" panose="05000000000000000000" pitchFamily="2" charset="2"/>
+              </a:rPr>
+              <a:t>1</a:t>
+            </a:r>
+            <a:r>
+              <a:rPr lang="it-IT" sz="2400" dirty="0">
+                <a:sym typeface="Wingdings" panose="05000000000000000000" pitchFamily="2" charset="2"/>
+              </a:rPr>
+              <a:t>, 2</a:t>
+            </a:r>
+            <a:r>
+              <a:rPr lang="it-IT" sz="2400" baseline="30000" dirty="0">
+                <a:sym typeface="Wingdings" panose="05000000000000000000" pitchFamily="2" charset="2"/>
+              </a:rPr>
+              <a:t>2</a:t>
+            </a:r>
+            <a:r>
+              <a:rPr lang="it-IT" sz="2400" dirty="0">
+                <a:sym typeface="Wingdings" panose="05000000000000000000" pitchFamily="2" charset="2"/>
+              </a:rPr>
+              <a:t>, … </a:t>
+            </a:r>
+            <a:r>
+              <a:rPr lang="it-IT" sz="2400" dirty="0">
+                <a:sym typeface="Wingdings" panose="05000000000000000000" pitchFamily="2" charset="2"/>
+              </a:rPr>
+              <a:t>2</a:t>
+            </a:r>
+            <a:r>
+              <a:rPr lang="it-IT" sz="2400" baseline="30000" dirty="0">
+                <a:sym typeface="Wingdings" panose="05000000000000000000" pitchFamily="2" charset="2"/>
+              </a:rPr>
+              <a:t>n</a:t>
+            </a:r>
+          </a:p>
+          <a:p>
+            <a:pPr marL="0" indent="0">
+              <a:buNone/>
+            </a:pPr>
+            <a:endParaRPr lang="it-IT" sz="2400" dirty="0"/>
+          </a:p>
+          <a:p>
+            <a:pPr marL="0" indent="0">
+              <a:buNone/>
+            </a:pPr>
+            <a:r>
+              <a:rPr lang="it-IT" sz="2400" dirty="0"/>
+              <a:t>Shift right by 1,2, ..n positions </a:t>
+            </a:r>
+            <a:r>
+              <a:rPr lang="it-IT" sz="2400" dirty="0">
+                <a:sym typeface="Wingdings" panose="05000000000000000000" pitchFamily="2" charset="2"/>
+              </a:rPr>
+              <a:t> divide by 2</a:t>
+            </a:r>
+            <a:r>
+              <a:rPr lang="it-IT" sz="2400" baseline="30000" dirty="0">
+                <a:sym typeface="Wingdings" panose="05000000000000000000" pitchFamily="2" charset="2"/>
+              </a:rPr>
+              <a:t>1</a:t>
+            </a:r>
+            <a:r>
+              <a:rPr lang="it-IT" sz="2400" dirty="0">
+                <a:sym typeface="Wingdings" panose="05000000000000000000" pitchFamily="2" charset="2"/>
+              </a:rPr>
+              <a:t>, 2</a:t>
+            </a:r>
+            <a:r>
+              <a:rPr lang="it-IT" sz="2400" baseline="30000" dirty="0">
+                <a:sym typeface="Wingdings" panose="05000000000000000000" pitchFamily="2" charset="2"/>
+              </a:rPr>
+              <a:t>2</a:t>
+            </a:r>
+            <a:r>
+              <a:rPr lang="it-IT" sz="2400" dirty="0">
+                <a:sym typeface="Wingdings" panose="05000000000000000000" pitchFamily="2" charset="2"/>
+              </a:rPr>
+              <a:t>, … 2</a:t>
+            </a:r>
+            <a:r>
+              <a:rPr lang="it-IT" sz="2400" baseline="30000" dirty="0">
+                <a:sym typeface="Wingdings" panose="05000000000000000000" pitchFamily="2" charset="2"/>
+              </a:rPr>
+              <a:t>n</a:t>
+            </a:r>
+          </a:p>
+          <a:p>
+            <a:pPr marL="0" indent="0">
+              <a:buNone/>
+            </a:pPr>
+            <a:endParaRPr lang="it-IT" sz="2400" dirty="0"/>
+          </a:p>
+        </p:txBody>
+      </p:sp>
+    </p:spTree>
+    <p:extLst>
+      <p:ext uri="{BB962C8B-B14F-4D97-AF65-F5344CB8AC3E}">
+        <p14:creationId xmlns:p14="http://schemas.microsoft.com/office/powerpoint/2010/main" val="1034487051"/>
+      </p:ext>
+    </p:extLst>
+  </p:cSld>
+  <p:clrMapOvr>
+    <a:masterClrMapping/>
+  </p:clrMapOvr>
+</p:sld>
+</file>
+
+<file path=ppt/slides/slide18.xml><?xml version="1.0" encoding="utf-8"?>
+<p:sld xmlns:a="http://schemas.openxmlformats.org/drawingml/2006/main" xmlns:r="http://schemas.openxmlformats.org/officeDocument/2006/relationships" xmlns:p="http://schemas.openxmlformats.org/presentationml/2006/main">
+  <p:cSld>
+    <p:spTree>
+      <p:nvGrpSpPr>
+        <p:cNvPr id="1" name=""/>
+        <p:cNvGrpSpPr/>
+        <p:nvPr/>
+      </p:nvGrpSpPr>
+      <p:grpSpPr>
+        <a:xfrm>
+          <a:off x="0" y="0"/>
+          <a:ext cx="0" cy="0"/>
+          <a:chOff x="0" y="0"/>
+          <a:chExt cx="0" cy="0"/>
+        </a:xfrm>
+      </p:grpSpPr>
+      <p:sp>
+        <p:nvSpPr>
+          <p:cNvPr id="2" name="Titolo 1"/>
+          <p:cNvSpPr>
+            <a:spLocks noGrp="1"/>
+          </p:cNvSpPr>
+          <p:nvPr>
+            <p:ph type="title"/>
+          </p:nvPr>
+        </p:nvSpPr>
+        <p:spPr>
+          <a:xfrm>
+            <a:off x="677334" y="342900"/>
+            <a:ext cx="8596668" cy="1320800"/>
+          </a:xfrm>
+        </p:spPr>
+        <p:txBody>
+          <a:bodyPr>
+            <a:noAutofit/>
+          </a:bodyPr>
+          <a:lstStyle/>
+          <a:p>
+            <a:r>
+              <a:rPr lang="it-IT" sz="4400" dirty="0">
+                <a:solidFill>
+                  <a:schemeClr val="accent2"/>
+                </a:solidFill>
+              </a:rPr>
+              <a:t>BINOMIAL FILTER</a:t>
+            </a:r>
+            <a:br>
+              <a:rPr lang="it-IT" sz="4400" dirty="0">
+                <a:solidFill>
+                  <a:schemeClr val="accent2"/>
+                </a:solidFill>
+              </a:rPr>
+            </a:br>
+            <a:r>
+              <a:rPr lang="it-IT" sz="4400" dirty="0" err="1">
+                <a:solidFill>
+                  <a:schemeClr val="accent2"/>
+                </a:solidFill>
+              </a:rPr>
+              <a:t>Optimization</a:t>
+            </a:r>
+            <a:r>
+              <a:rPr lang="it-IT" sz="4400" dirty="0">
+                <a:solidFill>
+                  <a:schemeClr val="accent2"/>
+                </a:solidFill>
+              </a:rPr>
+              <a:t> 2</a:t>
+            </a:r>
+            <a:endParaRPr lang="it-IT" sz="4400" dirty="0"/>
+          </a:p>
+        </p:txBody>
+      </p:sp>
+      <p:sp>
+        <p:nvSpPr>
+          <p:cNvPr id="3" name="Segnaposto contenuto 2"/>
+          <p:cNvSpPr>
+            <a:spLocks noGrp="1"/>
+          </p:cNvSpPr>
+          <p:nvPr>
+            <p:ph idx="1"/>
+          </p:nvPr>
+        </p:nvSpPr>
+        <p:spPr>
+          <a:xfrm>
+            <a:off x="677334" y="1797050"/>
+            <a:ext cx="9266766" cy="4019522"/>
+          </a:xfrm>
+        </p:spPr>
+        <p:txBody>
+          <a:bodyPr>
+            <a:normAutofit/>
+          </a:bodyPr>
+          <a:lstStyle/>
+          <a:p>
+            <a:pPr marL="0" indent="0">
+              <a:buNone/>
+            </a:pPr>
+            <a:r>
+              <a:rPr lang="it-IT" sz="2400" dirty="0" err="1"/>
+              <a:t>We</a:t>
+            </a:r>
+            <a:r>
+              <a:rPr lang="it-IT" sz="2400" dirty="0"/>
+              <a:t> </a:t>
+            </a:r>
+            <a:r>
+              <a:rPr lang="it-IT" sz="2400" dirty="0" err="1"/>
+              <a:t>notice</a:t>
+            </a:r>
+            <a:r>
+              <a:rPr lang="it-IT" sz="2400" dirty="0"/>
+              <a:t> </a:t>
+            </a:r>
+            <a:r>
+              <a:rPr lang="it-IT" sz="2400" dirty="0" err="1"/>
+              <a:t>that</a:t>
+            </a:r>
+            <a:r>
+              <a:rPr lang="it-IT" sz="2400" dirty="0"/>
+              <a:t> </a:t>
+            </a:r>
+            <a:r>
+              <a:rPr lang="it-IT" sz="2400" dirty="0" err="1"/>
+              <a:t>there</a:t>
+            </a:r>
+            <a:r>
+              <a:rPr lang="it-IT" sz="2400" dirty="0"/>
+              <a:t> are some </a:t>
+            </a:r>
+            <a:r>
+              <a:rPr lang="it-IT" sz="2400" dirty="0" err="1"/>
+              <a:t>additions</a:t>
+            </a:r>
+            <a:r>
+              <a:rPr lang="it-IT" sz="2400" dirty="0"/>
+              <a:t> </a:t>
+            </a:r>
+            <a:r>
+              <a:rPr lang="it-IT" sz="2400" dirty="0" err="1"/>
+              <a:t>that</a:t>
+            </a:r>
+            <a:r>
+              <a:rPr lang="it-IT" sz="2400" dirty="0"/>
+              <a:t> </a:t>
+            </a:r>
+            <a:r>
+              <a:rPr lang="it-IT" sz="2400" dirty="0" err="1"/>
+              <a:t>could</a:t>
+            </a:r>
+            <a:r>
+              <a:rPr lang="it-IT" sz="2400" dirty="0"/>
+              <a:t> be </a:t>
+            </a:r>
+            <a:r>
+              <a:rPr lang="it-IT" sz="2400" dirty="0" err="1"/>
+              <a:t>saved</a:t>
+            </a:r>
+            <a:r>
+              <a:rPr lang="it-IT" sz="2400" dirty="0"/>
+              <a:t> </a:t>
+            </a:r>
+            <a:r>
+              <a:rPr lang="it-IT" sz="2400" dirty="0" err="1"/>
+              <a:t>into</a:t>
+            </a:r>
+            <a:r>
+              <a:rPr lang="it-IT" sz="2400" dirty="0"/>
+              <a:t> a storage </a:t>
+            </a:r>
+            <a:r>
+              <a:rPr lang="it-IT" sz="2400" dirty="0" err="1"/>
+              <a:t>memory</a:t>
+            </a:r>
+            <a:r>
+              <a:rPr lang="it-IT" sz="2400" dirty="0"/>
+              <a:t> and re-</a:t>
+            </a:r>
+            <a:r>
+              <a:rPr lang="it-IT" sz="2400" dirty="0" err="1"/>
+              <a:t>used</a:t>
+            </a:r>
+            <a:r>
+              <a:rPr lang="it-IT" sz="2400" dirty="0"/>
+              <a:t> </a:t>
+            </a:r>
+            <a:r>
+              <a:rPr lang="it-IT" sz="2400" dirty="0" err="1"/>
+              <a:t>instead</a:t>
+            </a:r>
+            <a:r>
+              <a:rPr lang="it-IT" sz="2400" dirty="0"/>
+              <a:t> of computing 3 </a:t>
+            </a:r>
+            <a:r>
+              <a:rPr lang="it-IT" sz="2400" dirty="0" err="1"/>
+              <a:t>times</a:t>
+            </a:r>
+            <a:r>
+              <a:rPr lang="it-IT" sz="2400" dirty="0"/>
+              <a:t>.</a:t>
+            </a:r>
+          </a:p>
+        </p:txBody>
+      </p:sp>
+      <p:pic>
+        <p:nvPicPr>
+          <p:cNvPr id="10" name="Immagine 9"/>
+          <p:cNvPicPr>
+            <a:picLocks noChangeAspect="1"/>
+          </p:cNvPicPr>
+          <p:nvPr/>
+        </p:nvPicPr>
+        <p:blipFill>
+          <a:blip r:embed="rId2"/>
+          <a:stretch>
+            <a:fillRect/>
+          </a:stretch>
+        </p:blipFill>
+        <p:spPr>
+          <a:xfrm>
+            <a:off x="1022351" y="2692073"/>
+            <a:ext cx="9207500" cy="4165928"/>
+          </a:xfrm>
+          <a:prstGeom prst="rect">
+            <a:avLst/>
+          </a:prstGeom>
+        </p:spPr>
+      </p:pic>
+    </p:spTree>
+    <p:extLst>
+      <p:ext uri="{BB962C8B-B14F-4D97-AF65-F5344CB8AC3E}">
+        <p14:creationId xmlns:p14="http://schemas.microsoft.com/office/powerpoint/2010/main" val="1684825039"/>
+      </p:ext>
+    </p:extLst>
+  </p:cSld>
+  <p:clrMapOvr>
+    <a:masterClrMapping/>
+  </p:clrMapOvr>
+</p:sld>
+</file>
+
+<file path=ppt/slides/slide19.xml><?xml version="1.0" encoding="utf-8"?>
+<p:sld xmlns:a="http://schemas.openxmlformats.org/drawingml/2006/main" xmlns:r="http://schemas.openxmlformats.org/officeDocument/2006/relationships" xmlns:p="http://schemas.openxmlformats.org/presentationml/2006/main">
+  <p:cSld>
+    <p:spTree>
+      <p:nvGrpSpPr>
+        <p:cNvPr id="1" name=""/>
+        <p:cNvGrpSpPr/>
+        <p:nvPr/>
+      </p:nvGrpSpPr>
+      <p:grpSpPr>
+        <a:xfrm>
+          <a:off x="0" y="0"/>
+          <a:ext cx="0" cy="0"/>
+          <a:chOff x="0" y="0"/>
+          <a:chExt cx="0" cy="0"/>
+        </a:xfrm>
+      </p:grpSpPr>
+      <p:sp>
+        <p:nvSpPr>
+          <p:cNvPr id="7" name="Titolo 1"/>
+          <p:cNvSpPr>
+            <a:spLocks noGrp="1"/>
+          </p:cNvSpPr>
+          <p:nvPr>
+            <p:ph type="title"/>
+          </p:nvPr>
+        </p:nvSpPr>
+        <p:spPr>
+          <a:xfrm>
+            <a:off x="677334" y="609600"/>
+            <a:ext cx="8596668" cy="1320800"/>
+          </a:xfrm>
+        </p:spPr>
+        <p:txBody>
+          <a:bodyPr>
+            <a:noAutofit/>
+          </a:bodyPr>
+          <a:lstStyle/>
+          <a:p>
+            <a:r>
+              <a:rPr lang="it-IT" sz="4400" dirty="0">
+                <a:solidFill>
+                  <a:schemeClr val="accent2"/>
+                </a:solidFill>
+              </a:rPr>
+              <a:t>BINOMIAL FILTER</a:t>
+            </a:r>
+            <a:br>
+              <a:rPr lang="it-IT" sz="4400" dirty="0">
+                <a:solidFill>
+                  <a:schemeClr val="accent2"/>
+                </a:solidFill>
+              </a:rPr>
+            </a:br>
+            <a:r>
+              <a:rPr lang="it-IT" sz="4400" dirty="0" err="1">
+                <a:solidFill>
+                  <a:schemeClr val="accent2"/>
+                </a:solidFill>
+              </a:rPr>
+              <a:t>Results</a:t>
+            </a:r>
+            <a:endParaRPr lang="it-IT" sz="4400" dirty="0"/>
+          </a:p>
+        </p:txBody>
+      </p:sp>
+      <p:sp>
+        <p:nvSpPr>
+          <p:cNvPr id="8" name="Segnaposto contenuto 2"/>
+          <p:cNvSpPr>
+            <a:spLocks noGrp="1"/>
+          </p:cNvSpPr>
+          <p:nvPr>
+            <p:ph idx="1"/>
+          </p:nvPr>
+        </p:nvSpPr>
+        <p:spPr>
+          <a:xfrm>
+            <a:off x="677334" y="2160589"/>
+            <a:ext cx="4262966" cy="3880773"/>
+          </a:xfrm>
+        </p:spPr>
+        <p:txBody>
+          <a:bodyPr/>
+          <a:lstStyle/>
+          <a:p>
+            <a:pPr marL="0" indent="0">
+              <a:buNone/>
+            </a:pPr>
+            <a:endParaRPr lang="it-IT" dirty="0"/>
+          </a:p>
+          <a:p>
+            <a:pPr marL="0" indent="0">
+              <a:buNone/>
+            </a:pPr>
+            <a:r>
+              <a:rPr lang="it-IT" sz="2800" dirty="0"/>
+              <a:t>THIS WORK</a:t>
+            </a:r>
+            <a:endParaRPr lang="it-IT" dirty="0"/>
+          </a:p>
+          <a:p>
+            <a:pPr>
+              <a:buClr>
+                <a:schemeClr val="tx1"/>
+              </a:buClr>
+              <a:buFont typeface="Wingdings" panose="05000000000000000000" pitchFamily="2" charset="2"/>
+              <a:buChar char="§"/>
+            </a:pPr>
+            <a:r>
+              <a:rPr lang="it-IT" sz="2400" dirty="0"/>
+              <a:t>No </a:t>
+            </a:r>
+            <a:r>
+              <a:rPr lang="it-IT" sz="2400" dirty="0" err="1"/>
+              <a:t>multiplications</a:t>
+            </a:r>
+            <a:endParaRPr lang="it-IT" sz="2400" dirty="0"/>
+          </a:p>
+          <a:p>
+            <a:pPr>
+              <a:buClr>
+                <a:schemeClr val="tx1"/>
+              </a:buClr>
+              <a:buFont typeface="Wingdings" panose="05000000000000000000" pitchFamily="2" charset="2"/>
+              <a:buChar char="§"/>
+            </a:pPr>
+            <a:r>
+              <a:rPr lang="it-IT" sz="2400" dirty="0"/>
+              <a:t>No </a:t>
+            </a:r>
+            <a:r>
+              <a:rPr lang="it-IT" sz="2400" dirty="0" err="1"/>
+              <a:t>divisions</a:t>
+            </a:r>
+            <a:endParaRPr lang="it-IT" sz="2400" dirty="0"/>
+          </a:p>
+          <a:p>
+            <a:pPr>
+              <a:buClr>
+                <a:schemeClr val="tx1"/>
+              </a:buClr>
+              <a:buFont typeface="Wingdings" panose="05000000000000000000" pitchFamily="2" charset="2"/>
+              <a:buChar char="§"/>
+            </a:pPr>
+            <a:r>
+              <a:rPr lang="it-IT" sz="2400" dirty="0" err="1"/>
+              <a:t>Approximately</a:t>
+            </a:r>
+            <a:r>
+              <a:rPr lang="it-IT" sz="2400" dirty="0"/>
+              <a:t> NxNx8/3 </a:t>
+            </a:r>
+            <a:r>
+              <a:rPr lang="it-IT" sz="2400" dirty="0" err="1"/>
+              <a:t>additions</a:t>
+            </a:r>
+            <a:endParaRPr lang="it-IT" sz="2400" dirty="0"/>
+          </a:p>
+          <a:p>
+            <a:pPr>
+              <a:buClr>
+                <a:schemeClr val="tx1"/>
+              </a:buClr>
+              <a:buFont typeface="Wingdings" panose="05000000000000000000" pitchFamily="2" charset="2"/>
+              <a:buChar char="§"/>
+            </a:pPr>
+            <a:r>
+              <a:rPr lang="it-IT" sz="2400" dirty="0"/>
+              <a:t>Time for 4 </a:t>
+            </a:r>
+            <a:r>
+              <a:rPr lang="it-IT" sz="2400" dirty="0" err="1"/>
+              <a:t>additions</a:t>
+            </a:r>
+            <a:endParaRPr lang="it-IT" sz="2400" dirty="0"/>
+          </a:p>
+          <a:p>
+            <a:pPr marL="0" indent="0">
+              <a:buClr>
+                <a:schemeClr val="tx1"/>
+              </a:buClr>
+              <a:buNone/>
+            </a:pPr>
+            <a:endParaRPr lang="it-IT" sz="2400" dirty="0"/>
+          </a:p>
+        </p:txBody>
+      </p:sp>
+      <p:sp>
+        <p:nvSpPr>
+          <p:cNvPr id="9" name="Rettangolo 8"/>
+          <p:cNvSpPr/>
+          <p:nvPr/>
+        </p:nvSpPr>
+        <p:spPr>
+          <a:xfrm>
+            <a:off x="5651500" y="2621747"/>
+            <a:ext cx="4883150" cy="3662541"/>
+          </a:xfrm>
+          <a:prstGeom prst="rect">
+            <a:avLst/>
+          </a:prstGeom>
+        </p:spPr>
+        <p:txBody>
+          <a:bodyPr wrap="square">
+            <a:spAutoFit/>
+          </a:bodyPr>
+          <a:lstStyle/>
+          <a:p>
+            <a:r>
+              <a:rPr lang="it-IT" sz="2800" dirty="0"/>
+              <a:t>LIM</a:t>
+            </a:r>
+            <a:endParaRPr lang="it-IT" sz="2400" dirty="0"/>
+          </a:p>
+          <a:p>
+            <a:pPr marL="342900" indent="-342900">
+              <a:lnSpc>
+                <a:spcPct val="150000"/>
+              </a:lnSpc>
+              <a:buFont typeface="Wingdings" panose="05000000000000000000" pitchFamily="2" charset="2"/>
+              <a:buChar char="§"/>
+            </a:pPr>
+            <a:r>
+              <a:rPr lang="it-IT" sz="2400" dirty="0"/>
+              <a:t>NxNx5 </a:t>
+            </a:r>
+            <a:r>
+              <a:rPr lang="it-IT" sz="2400" dirty="0" err="1"/>
+              <a:t>multiplications</a:t>
+            </a:r>
+            <a:endParaRPr lang="it-IT" sz="2400" dirty="0"/>
+          </a:p>
+          <a:p>
+            <a:pPr marL="342900" indent="-342900">
+              <a:lnSpc>
+                <a:spcPct val="150000"/>
+              </a:lnSpc>
+              <a:buFont typeface="Wingdings" panose="05000000000000000000" pitchFamily="2" charset="2"/>
+              <a:buChar char="§"/>
+            </a:pPr>
+            <a:r>
+              <a:rPr lang="it-IT" sz="2400" dirty="0"/>
+              <a:t>NxNx8 </a:t>
+            </a:r>
+            <a:r>
+              <a:rPr lang="it-IT" sz="2400" dirty="0" err="1"/>
+              <a:t>additions</a:t>
+            </a:r>
+            <a:endParaRPr lang="it-IT" sz="2400" dirty="0"/>
+          </a:p>
+          <a:p>
+            <a:pPr marL="342900" indent="-342900">
+              <a:lnSpc>
+                <a:spcPct val="150000"/>
+              </a:lnSpc>
+              <a:buFont typeface="Wingdings" panose="05000000000000000000" pitchFamily="2" charset="2"/>
+              <a:buChar char="§"/>
+            </a:pPr>
+            <a:r>
+              <a:rPr lang="it-IT" sz="2400" dirty="0" err="1"/>
+              <a:t>NxN</a:t>
+            </a:r>
+            <a:r>
+              <a:rPr lang="it-IT" sz="2400" dirty="0"/>
+              <a:t> </a:t>
+            </a:r>
+            <a:r>
+              <a:rPr lang="it-IT" sz="2400" dirty="0" err="1"/>
+              <a:t>divisions</a:t>
+            </a:r>
+            <a:endParaRPr lang="it-IT" sz="2400" dirty="0"/>
+          </a:p>
+          <a:p>
+            <a:pPr marL="342900" indent="-342900">
+              <a:lnSpc>
+                <a:spcPct val="150000"/>
+              </a:lnSpc>
+              <a:buFont typeface="Wingdings" panose="05000000000000000000" pitchFamily="2" charset="2"/>
+              <a:buChar char="§"/>
+            </a:pPr>
+            <a:r>
+              <a:rPr lang="it-IT" sz="2400" dirty="0"/>
+              <a:t>Time for 1 </a:t>
+            </a:r>
+            <a:r>
+              <a:rPr lang="it-IT" sz="2400" dirty="0" err="1"/>
+              <a:t>multiplication</a:t>
+            </a:r>
+            <a:r>
+              <a:rPr lang="it-IT" sz="2400" dirty="0"/>
+              <a:t>, 8 </a:t>
+            </a:r>
+            <a:r>
+              <a:rPr lang="it-IT" sz="2400" dirty="0" err="1"/>
+              <a:t>additions</a:t>
+            </a:r>
+            <a:r>
+              <a:rPr lang="it-IT" sz="2400" dirty="0"/>
+              <a:t>, 1 </a:t>
+            </a:r>
+            <a:r>
+              <a:rPr lang="it-IT" sz="2400" dirty="0" err="1"/>
+              <a:t>division</a:t>
+            </a:r>
+            <a:endParaRPr lang="it-IT" sz="2400" dirty="0"/>
+          </a:p>
+          <a:p>
+            <a:endParaRPr lang="it-IT" sz="2400" dirty="0"/>
+          </a:p>
+        </p:txBody>
+      </p:sp>
+    </p:spTree>
+    <p:extLst>
+      <p:ext uri="{BB962C8B-B14F-4D97-AF65-F5344CB8AC3E}">
+        <p14:creationId xmlns:p14="http://schemas.microsoft.com/office/powerpoint/2010/main" val="2572709636"/>
       </p:ext>
     </p:extLst>
   </p:cSld>
@@ -6258,7 +8183,7 @@
         <p:spPr>
           <a:xfrm>
             <a:off x="8272764" y="4091336"/>
-            <a:ext cx="1495922" cy="461665"/>
+            <a:ext cx="1366080" cy="461665"/>
           </a:xfrm>
           <a:prstGeom prst="rect">
             <a:avLst/>
@@ -6272,13 +8197,8 @@
           <a:p>
             <a:r>
               <a:rPr lang="it-IT" sz="2400" dirty="0"/>
-              <a:t>2nd </a:t>
-            </a:r>
-            <a:r>
-              <a:rPr lang="it-IT" sz="2400" dirty="0" err="1"/>
-              <a:t>cycle</a:t>
-            </a:r>
-            <a:endParaRPr lang="it-IT" sz="2400" dirty="0"/>
+              <a:t>2nd step</a:t>
+            </a:r>
           </a:p>
         </p:txBody>
       </p:sp>
@@ -6291,7 +8211,7 @@
         <p:spPr>
           <a:xfrm>
             <a:off x="8272764" y="3101415"/>
-            <a:ext cx="1402948" cy="461665"/>
+            <a:ext cx="1273105" cy="461665"/>
           </a:xfrm>
           <a:prstGeom prst="rect">
             <a:avLst/>
@@ -6305,13 +8225,8 @@
           <a:p>
             <a:r>
               <a:rPr lang="it-IT" sz="2400" dirty="0"/>
-              <a:t>1st </a:t>
-            </a:r>
-            <a:r>
-              <a:rPr lang="it-IT" sz="2400" dirty="0" err="1"/>
-              <a:t>cycle</a:t>
-            </a:r>
-            <a:endParaRPr lang="it-IT" sz="2400" dirty="0"/>
+              <a:t>1st step</a:t>
+            </a:r>
           </a:p>
         </p:txBody>
       </p:sp>
@@ -6324,7 +8239,7 @@
         <p:spPr>
           <a:xfrm>
             <a:off x="8267684" y="5007094"/>
-            <a:ext cx="1447832" cy="461665"/>
+            <a:ext cx="1317990" cy="461665"/>
           </a:xfrm>
           <a:prstGeom prst="rect">
             <a:avLst/>
@@ -6338,13 +8253,8 @@
           <a:p>
             <a:r>
               <a:rPr lang="it-IT" sz="2400" dirty="0"/>
-              <a:t>3rd </a:t>
-            </a:r>
-            <a:r>
-              <a:rPr lang="it-IT" sz="2400" dirty="0" err="1"/>
-              <a:t>cycle</a:t>
-            </a:r>
-            <a:endParaRPr lang="it-IT" sz="2400" dirty="0"/>
+              <a:t>3rd step</a:t>
+            </a:r>
           </a:p>
         </p:txBody>
       </p:sp>
@@ -6357,7 +8267,7 @@
         <p:spPr>
           <a:xfrm>
             <a:off x="8267684" y="5922852"/>
-            <a:ext cx="1446230" cy="461665"/>
+            <a:ext cx="1316386" cy="461665"/>
           </a:xfrm>
           <a:prstGeom prst="rect">
             <a:avLst/>
@@ -6371,13 +8281,8 @@
           <a:p>
             <a:r>
               <a:rPr lang="it-IT" sz="2400" dirty="0"/>
-              <a:t>4th </a:t>
-            </a:r>
-            <a:r>
-              <a:rPr lang="it-IT" sz="2400" dirty="0" err="1"/>
-              <a:t>cycle</a:t>
-            </a:r>
-            <a:endParaRPr lang="it-IT" sz="2400" dirty="0"/>
+              <a:t>4th step</a:t>
+            </a:r>
           </a:p>
         </p:txBody>
       </p:sp>
@@ -6495,8 +8400,344 @@
         </p:blipFill>
         <p:spPr>
           <a:xfrm>
-            <a:off x="2016760" y="2316479"/>
-            <a:ext cx="5283200" cy="4274481"/>
+            <a:off x="1222976" y="2585720"/>
+            <a:ext cx="4944143" cy="4000160"/>
+          </a:xfrm>
+          <a:prstGeom prst="rect">
+            <a:avLst/>
+          </a:prstGeom>
+        </p:spPr>
+      </p:pic>
+      <mc:AlternateContent xmlns:mc="http://schemas.openxmlformats.org/markup-compatibility/2006">
+        <mc:Choice xmlns:a14="http://schemas.microsoft.com/office/drawing/2010/main" Requires="a14">
+          <p:sp>
+            <p:nvSpPr>
+              <p:cNvPr id="3" name="CasellaDiTesto 2"/>
+              <p:cNvSpPr txBox="1"/>
+              <p:nvPr/>
+            </p:nvSpPr>
+            <p:spPr>
+              <a:xfrm>
+                <a:off x="6719104" y="5075498"/>
+                <a:ext cx="3047036" cy="756233"/>
+              </a:xfrm>
+              <a:prstGeom prst="rect">
+                <a:avLst/>
+              </a:prstGeom>
+              <a:noFill/>
+            </p:spPr>
+            <p:txBody>
+              <a:bodyPr wrap="square" lIns="0" tIns="0" rIns="0" bIns="0" rtlCol="0">
+                <a:spAutoFit/>
+              </a:bodyPr>
+              <a:lstStyle/>
+              <a:p>
+                <a14:m>
+                  <m:oMathPara xmlns:m="http://schemas.openxmlformats.org/officeDocument/2006/math">
+                    <m:oMathParaPr>
+                      <m:jc m:val="centerGroup"/>
+                    </m:oMathParaPr>
+                    <m:oMath xmlns:m="http://schemas.openxmlformats.org/officeDocument/2006/math">
+                      <m:nary>
+                        <m:naryPr>
+                          <m:chr m:val="∑"/>
+                          <m:ctrlPr>
+                            <a:rPr lang="it-IT" i="1" smtClean="0">
+                              <a:latin typeface="Cambria Math" panose="02040503050406030204" pitchFamily="18" charset="0"/>
+                            </a:rPr>
+                          </m:ctrlPr>
+                        </m:naryPr>
+                        <m:sub>
+                          <m:r>
+                            <m:rPr>
+                              <m:brk m:alnAt="23"/>
+                            </m:rPr>
+                            <a:rPr lang="it-IT" b="0" i="1" smtClean="0">
+                              <a:latin typeface="Cambria Math" panose="02040503050406030204" pitchFamily="18" charset="0"/>
+                            </a:rPr>
+                            <m:t>𝑖</m:t>
+                          </m:r>
+                          <m:r>
+                            <a:rPr lang="it-IT" b="0" i="1" smtClean="0">
+                              <a:latin typeface="Cambria Math" panose="02040503050406030204" pitchFamily="18" charset="0"/>
+                            </a:rPr>
+                            <m:t>=1</m:t>
+                          </m:r>
+                        </m:sub>
+                        <m:sup>
+                          <m:r>
+                            <a:rPr lang="it-IT" b="0" i="1" smtClean="0">
+                              <a:latin typeface="Cambria Math" panose="02040503050406030204" pitchFamily="18" charset="0"/>
+                            </a:rPr>
+                            <m:t>𝑛</m:t>
+                          </m:r>
+                        </m:sup>
+                        <m:e>
+                          <m:r>
+                            <a:rPr lang="it-IT" b="0" i="1" smtClean="0">
+                              <a:latin typeface="Cambria Math" panose="02040503050406030204" pitchFamily="18" charset="0"/>
+                            </a:rPr>
+                            <m:t>2</m:t>
+                          </m:r>
+                          <m:r>
+                            <a:rPr lang="it-IT" b="0" i="1" smtClean="0">
+                              <a:latin typeface="Cambria Math" panose="02040503050406030204" pitchFamily="18" charset="0"/>
+                            </a:rPr>
+                            <m:t>𝑛</m:t>
+                          </m:r>
+                          <m:r>
+                            <a:rPr lang="it-IT" b="0" i="1" smtClean="0">
+                              <a:latin typeface="Cambria Math" panose="02040503050406030204" pitchFamily="18" charset="0"/>
+                            </a:rPr>
+                            <m:t>−1=</m:t>
+                          </m:r>
+                          <m:sSup>
+                            <m:sSupPr>
+                              <m:ctrlPr>
+                                <a:rPr lang="it-IT" b="0" i="1" smtClean="0">
+                                  <a:latin typeface="Cambria Math" panose="02040503050406030204" pitchFamily="18" charset="0"/>
+                                </a:rPr>
+                              </m:ctrlPr>
+                            </m:sSupPr>
+                            <m:e>
+                              <m:r>
+                                <a:rPr lang="it-IT" b="0" i="1" smtClean="0">
+                                  <a:latin typeface="Cambria Math" panose="02040503050406030204" pitchFamily="18" charset="0"/>
+                                </a:rPr>
+                                <m:t>𝑛</m:t>
+                              </m:r>
+                            </m:e>
+                            <m:sup>
+                              <m:r>
+                                <a:rPr lang="it-IT" b="0" i="1" smtClean="0">
+                                  <a:latin typeface="Cambria Math" panose="02040503050406030204" pitchFamily="18" charset="0"/>
+                                </a:rPr>
+                                <m:t>2</m:t>
+                              </m:r>
+                            </m:sup>
+                          </m:sSup>
+                        </m:e>
+                      </m:nary>
+                    </m:oMath>
+                  </m:oMathPara>
+                </a14:m>
+                <a:endParaRPr lang="it-IT" dirty="0"/>
+              </a:p>
+            </p:txBody>
+          </p:sp>
+        </mc:Choice>
+        <mc:Fallback>
+          <p:sp>
+            <p:nvSpPr>
+              <p:cNvPr id="3" name="CasellaDiTesto 2"/>
+              <p:cNvSpPr txBox="1">
+                <a:spLocks noRot="1" noChangeAspect="1" noMove="1" noResize="1" noEditPoints="1" noAdjustHandles="1" noChangeArrowheads="1" noChangeShapeType="1" noTextEdit="1"/>
+              </p:cNvSpPr>
+              <p:nvPr/>
+            </p:nvSpPr>
+            <p:spPr>
+              <a:xfrm>
+                <a:off x="6719104" y="5075498"/>
+                <a:ext cx="3047036" cy="756233"/>
+              </a:xfrm>
+              <a:prstGeom prst="rect">
+                <a:avLst/>
+              </a:prstGeom>
+              <a:blipFill>
+                <a:blip r:embed="rId3"/>
+                <a:stretch>
+                  <a:fillRect/>
+                </a:stretch>
+              </a:blipFill>
+            </p:spPr>
+            <p:txBody>
+              <a:bodyPr/>
+              <a:lstStyle/>
+              <a:p>
+                <a:r>
+                  <a:rPr lang="it-IT">
+                    <a:noFill/>
+                  </a:rPr>
+                  <a:t> </a:t>
+                </a:r>
+              </a:p>
+            </p:txBody>
+          </p:sp>
+        </mc:Fallback>
+      </mc:AlternateContent>
+      <p:sp>
+        <p:nvSpPr>
+          <p:cNvPr id="4" name="Rettangolo 3"/>
+          <p:cNvSpPr/>
+          <p:nvPr/>
+        </p:nvSpPr>
+        <p:spPr>
+          <a:xfrm>
+            <a:off x="6455249" y="2458049"/>
+            <a:ext cx="3892518" cy="2308324"/>
+          </a:xfrm>
+          <a:prstGeom prst="rect">
+            <a:avLst/>
+          </a:prstGeom>
+        </p:spPr>
+        <p:txBody>
+          <a:bodyPr wrap="square">
+            <a:spAutoFit/>
+          </a:bodyPr>
+          <a:lstStyle/>
+          <a:p>
+            <a:r>
+              <a:rPr lang="it-IT" sz="2400" dirty="0" err="1"/>
+              <a:t>We</a:t>
+            </a:r>
+            <a:r>
+              <a:rPr lang="it-IT" sz="2400" dirty="0"/>
+              <a:t> know </a:t>
+            </a:r>
+            <a:r>
+              <a:rPr lang="it-IT" sz="2400" dirty="0" err="1"/>
+              <a:t>that</a:t>
+            </a:r>
+            <a:r>
+              <a:rPr lang="it-IT" sz="2400" dirty="0"/>
+              <a:t> for a </a:t>
+            </a:r>
+            <a:r>
+              <a:rPr lang="it-IT" sz="2400" dirty="0" err="1"/>
+              <a:t>mathematical</a:t>
+            </a:r>
+            <a:r>
+              <a:rPr lang="it-IT" sz="2400" dirty="0"/>
+              <a:t> </a:t>
+            </a:r>
+            <a:r>
+              <a:rPr lang="it-IT" sz="2400" dirty="0" err="1"/>
+              <a:t>property</a:t>
+            </a:r>
+            <a:r>
+              <a:rPr lang="it-IT" sz="2400" dirty="0"/>
+              <a:t>, the sum of the first </a:t>
+            </a:r>
+            <a:r>
+              <a:rPr lang="it-IT" sz="2400" i="1" dirty="0"/>
+              <a:t>n</a:t>
+            </a:r>
+            <a:r>
+              <a:rPr lang="it-IT" sz="2400" dirty="0"/>
+              <a:t> </a:t>
+            </a:r>
+            <a:r>
+              <a:rPr lang="it-IT" sz="2400" dirty="0" err="1"/>
+              <a:t>odd</a:t>
+            </a:r>
+            <a:r>
+              <a:rPr lang="it-IT" sz="2400" dirty="0"/>
+              <a:t> </a:t>
+            </a:r>
+            <a:r>
+              <a:rPr lang="it-IT" sz="2400" dirty="0" err="1"/>
+              <a:t>numbers</a:t>
+            </a:r>
+            <a:r>
+              <a:rPr lang="it-IT" sz="2400" dirty="0"/>
+              <a:t> </a:t>
+            </a:r>
+            <a:r>
+              <a:rPr lang="it-IT" sz="2400" dirty="0" err="1"/>
+              <a:t>is</a:t>
+            </a:r>
+            <a:r>
+              <a:rPr lang="it-IT" sz="2400" dirty="0"/>
+              <a:t> n</a:t>
+            </a:r>
+            <a:r>
+              <a:rPr lang="it-IT" sz="2400" baseline="30000" dirty="0"/>
+              <a:t>2 </a:t>
+            </a:r>
+          </a:p>
+          <a:p>
+            <a:r>
+              <a:rPr lang="it-IT" sz="2400" dirty="0" err="1"/>
+              <a:t>That’s</a:t>
+            </a:r>
+            <a:r>
+              <a:rPr lang="it-IT" sz="2400" dirty="0"/>
+              <a:t> </a:t>
+            </a:r>
+            <a:r>
+              <a:rPr lang="it-IT" sz="2400" dirty="0" err="1"/>
+              <a:t>why</a:t>
+            </a:r>
+            <a:r>
+              <a:rPr lang="it-IT" sz="2400" dirty="0"/>
+              <a:t> </a:t>
+            </a:r>
+            <a:r>
+              <a:rPr lang="it-IT" sz="2400" dirty="0" err="1"/>
+              <a:t>we</a:t>
+            </a:r>
+            <a:r>
+              <a:rPr lang="it-IT" sz="2400" dirty="0"/>
+              <a:t> </a:t>
+            </a:r>
+            <a:r>
+              <a:rPr lang="it-IT" sz="2400" dirty="0" err="1"/>
+              <a:t>get</a:t>
+            </a:r>
+            <a:r>
+              <a:rPr lang="it-IT" sz="2400" dirty="0"/>
+              <a:t> the first 8 </a:t>
+            </a:r>
+            <a:r>
+              <a:rPr lang="it-IT" sz="2400" dirty="0" err="1"/>
+              <a:t>square</a:t>
+            </a:r>
+            <a:r>
+              <a:rPr lang="it-IT" sz="2400" dirty="0"/>
+              <a:t> </a:t>
+            </a:r>
+            <a:r>
+              <a:rPr lang="it-IT" sz="2400" dirty="0" err="1"/>
+              <a:t>number</a:t>
+            </a:r>
+            <a:r>
+              <a:rPr lang="it-IT" sz="2400" dirty="0"/>
+              <a:t> </a:t>
+            </a:r>
+            <a:r>
+              <a:rPr lang="it-IT" sz="2400" dirty="0" err="1"/>
+              <a:t>as</a:t>
+            </a:r>
+            <a:r>
+              <a:rPr lang="it-IT" sz="2400" dirty="0"/>
+              <a:t> </a:t>
+            </a:r>
+            <a:r>
+              <a:rPr lang="it-IT" sz="2400" dirty="0" err="1"/>
+              <a:t>result</a:t>
+            </a:r>
+            <a:endParaRPr lang="it-IT" sz="2400" dirty="0"/>
+          </a:p>
+        </p:txBody>
+      </p:sp>
+      <p:pic>
+        <p:nvPicPr>
+          <p:cNvPr id="5" name="Immagine 4"/>
+          <p:cNvPicPr>
+            <a:picLocks noChangeAspect="1"/>
+          </p:cNvPicPr>
+          <p:nvPr/>
+        </p:nvPicPr>
+        <p:blipFill>
+          <a:blip r:embed="rId4"/>
+          <a:stretch>
+            <a:fillRect/>
+          </a:stretch>
+        </p:blipFill>
+        <p:spPr>
+          <a:xfrm>
+            <a:off x="6920230" y="4916170"/>
+            <a:ext cx="3134821" cy="1576070"/>
           </a:xfrm>
           <a:prstGeom prst="rect">
             <a:avLst/>
@@ -6556,7 +8797,7 @@
                   <a:schemeClr val="accent2"/>
                 </a:solidFill>
               </a:rPr>
-              <a:t>SUMMED AREA TABLE -1D</a:t>
+              <a:t>SUMMED AREA TABLE -2D</a:t>
             </a:r>
             <a:br>
               <a:rPr lang="it-IT" sz="4400" dirty="0">
@@ -6580,6 +8821,14 @@
                 </a:solidFill>
               </a:rPr>
               <a:t>scan</a:t>
+            </a:r>
+            <a:r>
+              <a:rPr lang="it-IT" sz="4400" dirty="0">
+                <a:solidFill>
+                  <a:schemeClr val="accent2"/>
+                </a:solidFill>
+              </a:rPr>
+              <a:t> (on LIM)</a:t>
             </a:r>
             <a:endParaRPr lang="it-IT" sz="4400" dirty="0"/>
           </a:p>
@@ -6671,79 +8920,236 @@
         <p:spPr/>
         <p:txBody>
           <a:bodyPr>
-            <a:normAutofit/>
+            <a:noAutofit/>
           </a:bodyPr>
           <a:lstStyle/>
           <a:p>
             <a:r>
+              <a:rPr lang="it-IT" sz="4400" dirty="0">
+                <a:solidFill>
+                  <a:schemeClr val="accent2"/>
+                </a:solidFill>
+              </a:rPr>
+              <a:t>SUMMED AREA TABLE </a:t>
+            </a:r>
+            <a:br>
+              <a:rPr lang="it-IT" sz="4400" dirty="0">
+                <a:solidFill>
+                  <a:schemeClr val="accent2"/>
+                </a:solidFill>
+              </a:rPr>
+            </a:br>
+            <a:r>
               <a:rPr lang="it-IT" sz="4400" dirty="0" err="1">
                 <a:solidFill>
                   <a:schemeClr val="accent2"/>
                 </a:solidFill>
               </a:rPr>
-              <a:t>Binomial</a:t>
-            </a:r>
-            <a:r>
-              <a:rPr lang="it-IT" sz="4400" dirty="0">
-                <a:solidFill>
-                  <a:schemeClr val="accent2"/>
-                </a:solidFill>
-              </a:rPr>
-              <a:t> </a:t>
-            </a:r>
-            <a:r>
-              <a:rPr lang="it-IT" sz="4400" dirty="0" err="1">
-                <a:solidFill>
-                  <a:schemeClr val="accent2"/>
-                </a:solidFill>
-              </a:rPr>
-              <a:t>Filter</a:t>
+              <a:t>Results</a:t>
             </a:r>
             <a:endParaRPr lang="it-IT" sz="4400" dirty="0"/>
           </a:p>
         </p:txBody>
       </p:sp>
-      <p:pic>
-        <p:nvPicPr>
-          <p:cNvPr id="4" name="Segnaposto contenuto 3"/>
-          <p:cNvPicPr>
-            <a:picLocks noGrp="1" noChangeAspect="1"/>
-          </p:cNvPicPr>
-          <p:nvPr>
-            <p:ph idx="1"/>
-          </p:nvPr>
-        </p:nvPicPr>
-        <p:blipFill>
-          <a:blip r:embed="rId2"/>
-          <a:stretch>
-            <a:fillRect/>
-          </a:stretch>
-        </p:blipFill>
+      <mc:AlternateContent xmlns:mc="http://schemas.openxmlformats.org/markup-compatibility/2006">
+        <mc:Choice xmlns:a14="http://schemas.microsoft.com/office/drawing/2010/main" Requires="a14">
+          <p:sp>
+            <p:nvSpPr>
+              <p:cNvPr id="3" name="Segnaposto contenuto 2"/>
+              <p:cNvSpPr>
+                <a:spLocks noGrp="1"/>
+              </p:cNvSpPr>
+              <p:nvPr>
+                <p:ph idx="1"/>
+              </p:nvPr>
+            </p:nvSpPr>
+            <p:spPr>
+              <a:xfrm>
+                <a:off x="677334" y="2160589"/>
+                <a:ext cx="4262966" cy="3880773"/>
+              </a:xfrm>
+            </p:spPr>
+            <p:txBody>
+              <a:bodyPr/>
+              <a:lstStyle/>
+              <a:p>
+                <a:pPr marL="0" indent="0">
+                  <a:buNone/>
+                </a:pPr>
+                <a:endParaRPr lang="it-IT" dirty="0"/>
+              </a:p>
+              <a:p>
+                <a:pPr marL="0" indent="0">
+                  <a:buNone/>
+                </a:pPr>
+                <a:r>
+                  <a:rPr lang="it-IT" sz="2800" dirty="0"/>
+                  <a:t>THIS WORK</a:t>
+                </a:r>
+                <a:endParaRPr lang="it-IT" dirty="0"/>
+              </a:p>
+              <a:p>
+                <a:pPr>
+                  <a:buClr>
+                    <a:schemeClr val="tx1"/>
+                  </a:buClr>
+                  <a:buFont typeface="Wingdings" panose="05000000000000000000" pitchFamily="2" charset="2"/>
+                  <a:buChar char="§"/>
+                </a:pPr>
+                <a:r>
+                  <a:rPr lang="it-IT" sz="2400" dirty="0"/>
+                  <a:t>For a </a:t>
+                </a:r>
+                <a:r>
+                  <a:rPr lang="it-IT" sz="2400" dirty="0" err="1"/>
+                  <a:t>NxN</a:t>
+                </a:r>
+                <a:r>
+                  <a:rPr lang="it-IT" sz="2400" dirty="0"/>
+                  <a:t> </a:t>
+                </a:r>
+                <a:r>
+                  <a:rPr lang="it-IT" sz="2400" dirty="0" err="1"/>
+                  <a:t>matrix</a:t>
+                </a:r>
+                <a:r>
+                  <a:rPr lang="it-IT" sz="2400" dirty="0"/>
+                  <a:t>, </a:t>
+                </a:r>
+                <a:r>
+                  <a:rPr lang="it-IT" sz="2400" dirty="0" err="1"/>
+                  <a:t>it</a:t>
+                </a:r>
+                <a:r>
+                  <a:rPr lang="it-IT" sz="2400" dirty="0"/>
+                  <a:t> </a:t>
+                </a:r>
+                <a:r>
+                  <a:rPr lang="it-IT" sz="2400" dirty="0" err="1"/>
+                  <a:t>requires</a:t>
+                </a:r>
+                <a:r>
+                  <a:rPr lang="it-IT" sz="2400" dirty="0"/>
+                  <a:t>  the time for </a:t>
+                </a:r>
+                <a14:m>
+                  <m:oMath xmlns:m="http://schemas.openxmlformats.org/officeDocument/2006/math">
+                    <m:func>
+                      <m:funcPr>
+                        <m:ctrlPr>
+                          <a:rPr lang="it-IT" sz="2400" i="1" smtClean="0">
+                            <a:latin typeface="Cambria Math" panose="02040503050406030204" pitchFamily="18" charset="0"/>
+                          </a:rPr>
+                        </m:ctrlPr>
+                      </m:funcPr>
+                      <m:fName>
+                        <m:sSub>
+                          <m:sSubPr>
+                            <m:ctrlPr>
+                              <a:rPr lang="it-IT" sz="2400" i="1" smtClean="0">
+                                <a:latin typeface="Cambria Math" panose="02040503050406030204" pitchFamily="18" charset="0"/>
+                              </a:rPr>
+                            </m:ctrlPr>
+                          </m:sSubPr>
+                          <m:e>
+                            <m:r>
+                              <a:rPr lang="it-IT" sz="2400" b="0" i="0" smtClean="0">
+                                <a:latin typeface="Cambria Math" panose="02040503050406030204" pitchFamily="18" charset="0"/>
+                              </a:rPr>
+                              <m:t>2</m:t>
+                            </m:r>
+                            <m:r>
+                              <m:rPr>
+                                <m:sty m:val="p"/>
+                              </m:rPr>
+                              <a:rPr lang="it-IT" sz="2400" i="0" smtClean="0">
+                                <a:latin typeface="Cambria Math" panose="02040503050406030204" pitchFamily="18" charset="0"/>
+                              </a:rPr>
+                              <m:t>log</m:t>
+                            </m:r>
+                          </m:e>
+                          <m:sub>
+                            <m:r>
+                              <a:rPr lang="it-IT" sz="2400" b="0" i="1" smtClean="0">
+                                <a:latin typeface="Cambria Math" panose="02040503050406030204" pitchFamily="18" charset="0"/>
+                              </a:rPr>
+                              <m:t>2</m:t>
+                            </m:r>
+                          </m:sub>
+                        </m:sSub>
+                      </m:fName>
+                      <m:e>
+                        <m:r>
+                          <a:rPr lang="it-IT" sz="2400" b="0" i="1" smtClean="0">
+                            <a:latin typeface="Cambria Math" panose="02040503050406030204" pitchFamily="18" charset="0"/>
+                          </a:rPr>
+                          <m:t>𝑁</m:t>
+                        </m:r>
+                      </m:e>
+                    </m:func>
+                  </m:oMath>
+                </a14:m>
+                <a:r>
+                  <a:rPr lang="it-IT" sz="2400" dirty="0"/>
+                  <a:t> additions.</a:t>
+                </a:r>
+              </a:p>
+            </p:txBody>
+          </p:sp>
+        </mc:Choice>
+        <mc:Fallback>
+          <p:sp>
+            <p:nvSpPr>
+              <p:cNvPr id="3" name="Segnaposto contenuto 2"/>
+              <p:cNvSpPr>
+                <a:spLocks noGrp="1" noRot="1" noChangeAspect="1" noMove="1" noResize="1" noEditPoints="1" noAdjustHandles="1" noChangeArrowheads="1" noChangeShapeType="1" noTextEdit="1"/>
+              </p:cNvSpPr>
+              <p:nvPr>
+                <p:ph idx="1"/>
+              </p:nvPr>
+            </p:nvSpPr>
+            <p:spPr>
+              <a:xfrm>
+                <a:off x="677334" y="2160589"/>
+                <a:ext cx="4262966" cy="3880773"/>
+              </a:xfrm>
+              <a:blipFill>
+                <a:blip r:embed="rId2"/>
+                <a:stretch>
+                  <a:fillRect l="-2861"/>
+                </a:stretch>
+              </a:blipFill>
+            </p:spPr>
+            <p:txBody>
+              <a:bodyPr/>
+              <a:lstStyle/>
+              <a:p>
+                <a:r>
+                  <a:rPr lang="it-IT">
+                    <a:noFill/>
+                  </a:rPr>
+                  <a:t> </a:t>
+                </a:r>
+              </a:p>
+            </p:txBody>
+          </p:sp>
+        </mc:Fallback>
+      </mc:AlternateContent>
+      <p:sp>
+        <p:nvSpPr>
+          <p:cNvPr id="4" name="Rettangolo 3"/>
+          <p:cNvSpPr/>
+          <p:nvPr/>
+        </p:nvSpPr>
         <p:spPr>
           <a:xfrm>
-            <a:off x="3129280" y="2743050"/>
-            <a:ext cx="3967479" cy="3936921"/>
+            <a:off x="5651500" y="2621747"/>
+            <a:ext cx="4533900" cy="2369880"/>
           </a:xfrm>
           <a:prstGeom prst="rect">
             <a:avLst/>
           </a:prstGeom>
         </p:spPr>
-      </p:pic>
-      <p:sp>
-        <p:nvSpPr>
-          <p:cNvPr id="5" name="Rettangolo 4"/>
-          <p:cNvSpPr/>
-          <p:nvPr/>
-        </p:nvSpPr>
-        <p:spPr>
-          <a:xfrm>
-            <a:off x="640080" y="1769795"/>
-            <a:ext cx="8945880" cy="830997"/>
-          </a:xfrm>
-          <a:prstGeom prst="rect">
-            <a:avLst/>
-          </a:prstGeom>
-        </p:spPr>
         <p:txBody>
           <a:bodyPr wrap="square">
             <a:spAutoFit/>
@@ -6751,16 +9157,39 @@
           <a:lstStyle/>
           <a:p>
             <a:r>
+              <a:rPr lang="it-IT" sz="2800" dirty="0"/>
+              <a:t>LIM</a:t>
+            </a:r>
+            <a:endParaRPr lang="it-IT" sz="2400" dirty="0"/>
+          </a:p>
+          <a:p>
+            <a:pPr marL="342900" indent="-342900">
+              <a:buFont typeface="Wingdings" panose="05000000000000000000" pitchFamily="2" charset="2"/>
+              <a:buChar char="§"/>
+            </a:pPr>
+            <a:r>
+              <a:rPr lang="it-IT" sz="2400" dirty="0"/>
+              <a:t>For </a:t>
+            </a:r>
+            <a:r>
               <a:rPr lang="it-IT" sz="2400" dirty="0" err="1"/>
-              <a:t>It’s</a:t>
+              <a:t>writing</a:t>
             </a:r>
             <a:r>
               <a:rPr lang="it-IT" sz="2400" dirty="0"/>
-              <a:t> a </a:t>
+              <a:t> the data, for the </a:t>
             </a:r>
             <a:r>
               <a:rPr lang="it-IT" sz="2400" dirty="0" err="1"/>
-              <a:t>weighted</a:t>
+              <a:t>configuration</a:t>
+            </a:r>
+            <a:r>
+              <a:rPr lang="it-IT" sz="2400" dirty="0"/>
+              <a:t> and the </a:t>
+            </a:r>
+            <a:r>
+              <a:rPr lang="it-IT" sz="2400" dirty="0" err="1"/>
+              <a:t>algorithm</a:t>
             </a:r>
             <a:r>
               <a:rPr lang="it-IT" sz="2400" dirty="0"/>
@@ -6768,7 +9197,7 @@
             </a:r>
             <a:r>
               <a:rPr lang="it-IT" sz="2400" dirty="0" err="1"/>
-              <a:t>mean</a:t>
+              <a:t>computation</a:t>
             </a:r>
             <a:r>
               <a:rPr lang="it-IT" sz="2400" dirty="0"/>
@@ -6776,7 +9205,7 @@
             </a:r>
             <a:r>
               <a:rPr lang="it-IT" sz="2400" dirty="0" err="1"/>
-              <a:t>using</a:t>
+              <a:t>it</a:t>
             </a:r>
             <a:r>
               <a:rPr lang="it-IT" sz="2400" dirty="0"/>
@@ -6784,51 +9213,27 @@
             </a:r>
             <a:r>
               <a:rPr lang="it-IT" sz="2400" dirty="0" err="1"/>
-              <a:t>binomial</a:t>
+              <a:t>requires</a:t>
             </a:r>
             <a:r>
               <a:rPr lang="it-IT" sz="2400" dirty="0"/>
-              <a:t> </a:t>
+              <a:t> 9N+1 </a:t>
             </a:r>
             <a:r>
               <a:rPr lang="it-IT" sz="2400" dirty="0" err="1"/>
-              <a:t>coefficients</a:t>
-            </a:r>
-            <a:r>
-              <a:rPr lang="it-IT" sz="2400" dirty="0"/>
-              <a:t> </a:t>
-            </a:r>
-            <a:r>
-              <a:rPr lang="it-IT" sz="2400" dirty="0" err="1"/>
-              <a:t>between</a:t>
-            </a:r>
-            <a:r>
-              <a:rPr lang="it-IT" sz="2400" dirty="0"/>
-              <a:t> the </a:t>
-            </a:r>
-            <a:r>
-              <a:rPr lang="it-IT" sz="2400" dirty="0" err="1"/>
-              <a:t>cell</a:t>
-            </a:r>
-            <a:r>
-              <a:rPr lang="it-IT" sz="2400" dirty="0"/>
-              <a:t> with the </a:t>
-            </a:r>
-            <a:r>
-              <a:rPr lang="it-IT" sz="2400" dirty="0" err="1"/>
-              <a:t>neighborhood</a:t>
-            </a:r>
-            <a:r>
-              <a:rPr lang="it-IT" sz="2400" dirty="0"/>
-              <a:t>.</a:t>
-            </a:r>
+              <a:t>cycles</a:t>
+            </a:r>
+            <a:endParaRPr lang="it-IT" sz="2400" dirty="0"/>
+          </a:p>
+          <a:p>
+            <a:endParaRPr lang="it-IT" sz="2400" dirty="0"/>
           </a:p>
         </p:txBody>
       </p:sp>
     </p:spTree>
     <p:extLst>
       <p:ext uri="{BB962C8B-B14F-4D97-AF65-F5344CB8AC3E}">
-        <p14:creationId xmlns:p14="http://schemas.microsoft.com/office/powerpoint/2010/main" val="2274992231"/>
+        <p14:creationId xmlns:p14="http://schemas.microsoft.com/office/powerpoint/2010/main" val="3555301488"/>
       </p:ext>
     </p:extLst>
   </p:cSld>
@@ -6865,7 +9270,12 @@
             <p:ph type="title"/>
           </p:nvPr>
         </p:nvSpPr>
-        <p:spPr/>
+        <p:spPr>
+          <a:xfrm>
+            <a:off x="677334" y="609600"/>
+            <a:ext cx="8596668" cy="1047750"/>
+          </a:xfrm>
+        </p:spPr>
         <p:txBody>
           <a:bodyPr>
             <a:noAutofit/>
@@ -6873,28 +9283,12 @@
           <a:lstStyle/>
           <a:p>
             <a:r>
-              <a:rPr lang="it-IT" sz="4400" dirty="0" err="1">
+              <a:rPr lang="it-IT" sz="4400" dirty="0">
                 <a:solidFill>
                   <a:schemeClr val="accent2"/>
                 </a:solidFill>
               </a:rPr>
-              <a:t>Binomial</a:t>
-            </a:r>
-            <a:r>
-              <a:rPr lang="it-IT" sz="4400" dirty="0">
-                <a:solidFill>
-                  <a:schemeClr val="accent2"/>
-                </a:solidFill>
-              </a:rPr>
-              <a:t> </a:t>
-            </a:r>
-            <a:r>
-              <a:rPr lang="it-IT" sz="4400" dirty="0" err="1">
-                <a:solidFill>
-                  <a:schemeClr val="accent2"/>
-                </a:solidFill>
-              </a:rPr>
-              <a:t>Filter</a:t>
+              <a:t>DISCRETE COSINE TRANSFORM</a:t>
             </a:r>
             <a:br>
               <a:rPr lang="it-IT" sz="4400" dirty="0">
@@ -6903,14 +9297,6 @@
                 </a:solidFill>
               </a:rPr>
             </a:br>
-            <a:r>
-              <a:rPr lang="it-IT" sz="4400" dirty="0" err="1">
-                <a:solidFill>
-                  <a:schemeClr val="accent2"/>
-                </a:solidFill>
-              </a:rPr>
-              <a:t>Optimization</a:t>
-            </a:r>
             <a:endParaRPr lang="it-IT" sz="4400" dirty="0"/>
           </a:p>
         </p:txBody>
@@ -6925,93 +9311,57 @@
             <p:ph idx="1"/>
           </p:nvPr>
         </p:nvSpPr>
-        <p:spPr/>
-        <p:txBody>
-          <a:bodyPr/>
+        <p:spPr>
+          <a:xfrm>
+            <a:off x="677334" y="1785939"/>
+            <a:ext cx="9108016" cy="3880773"/>
+          </a:xfrm>
+        </p:spPr>
+        <p:txBody>
+          <a:bodyPr>
+            <a:normAutofit/>
+          </a:bodyPr>
           <a:lstStyle/>
           <a:p>
             <a:pPr marL="0" indent="0">
               <a:buNone/>
             </a:pPr>
             <a:r>
-              <a:rPr lang="it-IT" dirty="0" err="1"/>
-              <a:t>Usually</a:t>
-            </a:r>
-            <a:r>
-              <a:rPr lang="it-IT" dirty="0"/>
-              <a:t> </a:t>
-            </a:r>
-            <a:r>
-              <a:rPr lang="it-IT" dirty="0" err="1"/>
-              <a:t>you</a:t>
-            </a:r>
-            <a:r>
-              <a:rPr lang="it-IT" dirty="0"/>
-              <a:t> </a:t>
-            </a:r>
-            <a:r>
-              <a:rPr lang="it-IT" dirty="0" err="1"/>
-              <a:t>would</a:t>
-            </a:r>
-            <a:r>
-              <a:rPr lang="it-IT" dirty="0"/>
-              <a:t> compute the </a:t>
-            </a:r>
-            <a:r>
-              <a:rPr lang="it-IT" dirty="0" err="1"/>
-              <a:t>Binomial</a:t>
-            </a:r>
-            <a:r>
-              <a:rPr lang="it-IT" dirty="0"/>
-              <a:t> </a:t>
-            </a:r>
-            <a:r>
-              <a:rPr lang="it-IT" dirty="0" err="1"/>
-              <a:t>Filter</a:t>
-            </a:r>
-            <a:r>
-              <a:rPr lang="it-IT" dirty="0"/>
-              <a:t> for </a:t>
-            </a:r>
-            <a:r>
-              <a:rPr lang="it-IT" dirty="0" err="1"/>
-              <a:t>each</a:t>
-            </a:r>
-            <a:r>
-              <a:rPr lang="it-IT" dirty="0"/>
-              <a:t> </a:t>
-            </a:r>
-            <a:r>
-              <a:rPr lang="it-IT" dirty="0" err="1"/>
-              <a:t>cells</a:t>
-            </a:r>
-            <a:r>
-              <a:rPr lang="it-IT" dirty="0"/>
-              <a:t>, </a:t>
-            </a:r>
-            <a:r>
-              <a:rPr lang="it-IT" dirty="0" err="1"/>
-              <a:t>which</a:t>
-            </a:r>
-            <a:r>
-              <a:rPr lang="it-IT" dirty="0"/>
-              <a:t> </a:t>
-            </a:r>
-            <a:r>
-              <a:rPr lang="it-IT" dirty="0" err="1"/>
-              <a:t>requires</a:t>
-            </a:r>
-            <a:r>
-              <a:rPr lang="it-IT" dirty="0"/>
-              <a:t> 5 </a:t>
-            </a:r>
-          </a:p>
-        </p:txBody>
-      </p:sp>
+              <a:rPr lang="en-US" sz="2400" dirty="0"/>
+              <a:t>A discrete cosine transform (DCT) expresses a finite sequence of data points in terms of a sum of cosine functions oscillating at different frequencies.</a:t>
+            </a:r>
+            <a:endParaRPr lang="it-IT" sz="2400" dirty="0"/>
+          </a:p>
+        </p:txBody>
+      </p:sp>
+      <p:pic>
+        <p:nvPicPr>
+          <p:cNvPr id="4" name="Immagine 3"/>
+          <p:cNvPicPr>
+            <a:picLocks noChangeAspect="1"/>
+          </p:cNvPicPr>
+          <p:nvPr/>
+        </p:nvPicPr>
+        <p:blipFill>
+          <a:blip r:embed="rId2"/>
+          <a:stretch>
+            <a:fillRect/>
+          </a:stretch>
+        </p:blipFill>
+        <p:spPr>
+          <a:xfrm>
+            <a:off x="1876624" y="3148549"/>
+            <a:ext cx="7812227" cy="3150651"/>
+          </a:xfrm>
+          <a:prstGeom prst="rect">
+            <a:avLst/>
+          </a:prstGeom>
+        </p:spPr>
+      </p:pic>
     </p:spTree>
     <p:extLst>
       <p:ext uri="{BB962C8B-B14F-4D97-AF65-F5344CB8AC3E}">
-        <p14:creationId xmlns:p14="http://schemas.microsoft.com/office/powerpoint/2010/main" val="4002016739"/>
+        <p14:creationId xmlns:p14="http://schemas.microsoft.com/office/powerpoint/2010/main" val="2396515958"/>
       </p:ext>
     </p:extLst>
   </p:cSld>
@@ -7050,36 +9400,94 @@
         </p:nvSpPr>
         <p:spPr/>
         <p:txBody>
+          <a:bodyPr>
+            <a:normAutofit/>
+          </a:bodyPr>
+          <a:lstStyle/>
+          <a:p>
+            <a:r>
+              <a:rPr lang="it-IT" sz="4400" dirty="0">
+                <a:solidFill>
+                  <a:schemeClr val="accent2"/>
+                </a:solidFill>
+              </a:rPr>
+              <a:t>DISCRETE COSINE TRANSFORM</a:t>
+            </a:r>
+            <a:endParaRPr lang="it-IT" sz="4400" dirty="0"/>
+          </a:p>
+        </p:txBody>
+      </p:sp>
+      <p:sp>
+        <p:nvSpPr>
+          <p:cNvPr id="3" name="Segnaposto contenuto 2"/>
+          <p:cNvSpPr>
+            <a:spLocks noGrp="1"/>
+          </p:cNvSpPr>
+          <p:nvPr>
+            <p:ph idx="1"/>
+          </p:nvPr>
+        </p:nvSpPr>
+        <p:spPr/>
+        <p:txBody>
           <a:bodyPr/>
           <a:lstStyle/>
           <a:p>
-            <a:endParaRPr lang="it-IT"/>
-          </a:p>
-        </p:txBody>
-      </p:sp>
-      <p:sp>
-        <p:nvSpPr>
-          <p:cNvPr id="3" name="Segnaposto contenuto 2"/>
-          <p:cNvSpPr>
-            <a:spLocks noGrp="1"/>
-          </p:cNvSpPr>
-          <p:nvPr>
-            <p:ph idx="1"/>
-          </p:nvPr>
-        </p:nvSpPr>
-        <p:spPr/>
-        <p:txBody>
-          <a:bodyPr/>
-          <a:lstStyle/>
-          <a:p>
-            <a:endParaRPr lang="it-IT"/>
-          </a:p>
-        </p:txBody>
-      </p:sp>
+            <a:endParaRPr lang="it-IT" dirty="0"/>
+          </a:p>
+        </p:txBody>
+      </p:sp>
+      <p:pic>
+        <p:nvPicPr>
+          <p:cNvPr id="4" name="Immagine 3"/>
+          <p:cNvPicPr>
+            <a:picLocks noChangeAspect="1"/>
+          </p:cNvPicPr>
+          <p:nvPr/>
+        </p:nvPicPr>
+        <p:blipFill>
+          <a:blip r:embed="rId2"/>
+          <a:stretch>
+            <a:fillRect/>
+          </a:stretch>
+        </p:blipFill>
+        <p:spPr>
+          <a:xfrm>
+            <a:off x="1314450" y="1930400"/>
+            <a:ext cx="8604250" cy="2415135"/>
+          </a:xfrm>
+          <a:prstGeom prst="rect">
+            <a:avLst/>
+          </a:prstGeom>
+        </p:spPr>
+      </p:pic>
+      <p:pic>
+        <p:nvPicPr>
+          <p:cNvPr id="6" name="Immagine 5"/>
+          <p:cNvPicPr>
+            <a:picLocks noChangeAspect="1"/>
+          </p:cNvPicPr>
+          <p:nvPr/>
+        </p:nvPicPr>
+        <p:blipFill>
+          <a:blip r:embed="rId3"/>
+          <a:stretch>
+            <a:fillRect/>
+          </a:stretch>
+        </p:blipFill>
+        <p:spPr>
+          <a:xfrm>
+            <a:off x="1524000" y="4958875"/>
+            <a:ext cx="8469312" cy="707460"/>
+          </a:xfrm>
+          <a:prstGeom prst="rect">
+            <a:avLst/>
+          </a:prstGeom>
+        </p:spPr>
+      </p:pic>
     </p:spTree>
     <p:extLst>
       <p:ext uri="{BB962C8B-B14F-4D97-AF65-F5344CB8AC3E}">
-        <p14:creationId xmlns:p14="http://schemas.microsoft.com/office/powerpoint/2010/main" val="1034487051"/>
+        <p14:creationId xmlns:p14="http://schemas.microsoft.com/office/powerpoint/2010/main" val="2024569018"/>
       </p:ext>
     </p:extLst>
   </p:cSld>
@@ -7118,36 +9526,68 @@
         </p:nvSpPr>
         <p:spPr/>
         <p:txBody>
-          <a:bodyPr/>
-          <a:lstStyle/>
-          <a:p>
-            <a:endParaRPr lang="it-IT"/>
-          </a:p>
-        </p:txBody>
-      </p:sp>
-      <p:sp>
-        <p:nvSpPr>
-          <p:cNvPr id="3" name="Segnaposto contenuto 2"/>
-          <p:cNvSpPr>
-            <a:spLocks noGrp="1"/>
-          </p:cNvSpPr>
+          <a:bodyPr>
+            <a:noAutofit/>
+          </a:bodyPr>
+          <a:lstStyle/>
+          <a:p>
+            <a:r>
+              <a:rPr lang="it-IT" sz="4400" dirty="0">
+                <a:solidFill>
+                  <a:schemeClr val="accent2"/>
+                </a:solidFill>
+              </a:rPr>
+              <a:t>DISCRETE COSINE TRANSFORM</a:t>
+            </a:r>
+            <a:br>
+              <a:rPr lang="it-IT" sz="4400" dirty="0">
+                <a:solidFill>
+                  <a:schemeClr val="accent2"/>
+                </a:solidFill>
+              </a:rPr>
+            </a:br>
+            <a:r>
+              <a:rPr lang="it-IT" sz="4400" dirty="0" err="1">
+                <a:solidFill>
+                  <a:schemeClr val="accent2"/>
+                </a:solidFill>
+              </a:rPr>
+              <a:t>Parallelization</a:t>
+            </a:r>
+            <a:endParaRPr lang="it-IT" sz="4400" dirty="0"/>
+          </a:p>
+        </p:txBody>
+      </p:sp>
+      <p:pic>
+        <p:nvPicPr>
+          <p:cNvPr id="4" name="Segnaposto contenuto 3"/>
+          <p:cNvPicPr>
+            <a:picLocks noGrp="1" noChangeAspect="1"/>
+          </p:cNvPicPr>
           <p:nvPr>
             <p:ph idx="1"/>
           </p:nvPr>
-        </p:nvSpPr>
-        <p:spPr/>
-        <p:txBody>
-          <a:bodyPr/>
-          <a:lstStyle/>
-          <a:p>
-            <a:endParaRPr lang="it-IT"/>
-          </a:p>
-        </p:txBody>
-      </p:sp>
+        </p:nvPicPr>
+        <p:blipFill>
+          <a:blip r:embed="rId2"/>
+          <a:stretch>
+            <a:fillRect/>
+          </a:stretch>
+        </p:blipFill>
+        <p:spPr>
+          <a:xfrm>
+            <a:off x="2527300" y="2078038"/>
+            <a:ext cx="5803900" cy="4700098"/>
+          </a:xfrm>
+          <a:prstGeom prst="rect">
+            <a:avLst/>
+          </a:prstGeom>
+        </p:spPr>
+      </p:pic>
     </p:spTree>
     <p:extLst>
       <p:ext uri="{BB962C8B-B14F-4D97-AF65-F5344CB8AC3E}">
-        <p14:creationId xmlns:p14="http://schemas.microsoft.com/office/powerpoint/2010/main" val="1684825039"/>
+        <p14:creationId xmlns:p14="http://schemas.microsoft.com/office/powerpoint/2010/main" val="1568686549"/>
       </p:ext>
     </p:extLst>
   </p:cSld>

--- a/power_point/Algorithms Parallelization in ASIC Design.pptx
+++ b/power_point/Algorithms Parallelization in ASIC Design.pptx
@@ -24,6 +24,13 @@
     <p:sldId id="263" r:id="rId18"/>
     <p:sldId id="264" r:id="rId19"/>
     <p:sldId id="267" r:id="rId20"/>
+    <p:sldId id="276" r:id="rId21"/>
+    <p:sldId id="277" r:id="rId22"/>
+    <p:sldId id="278" r:id="rId23"/>
+    <p:sldId id="282" r:id="rId24"/>
+    <p:sldId id="279" r:id="rId25"/>
+    <p:sldId id="280" r:id="rId26"/>
+    <p:sldId id="281" r:id="rId27"/>
   </p:sldIdLst>
   <p:sldSz cx="12192000" cy="6858000"/>
   <p:notesSz cx="6858000" cy="9144000"/>
@@ -876,7 +883,7 @@
             <a:fld id="{B61BEF0D-F0BB-DE4B-95CE-6DB70DBA9567}" type="datetimeFigureOut">
               <a:rPr lang="en-US" dirty="0"/>
               <a:pPr/>
-              <a:t>10/2/2017</a:t>
+              <a:t>10/3/2017</a:t>
             </a:fld>
             <a:endParaRPr lang="en-US" dirty="0"/>
           </a:p>
@@ -1124,7 +1131,7 @@
             <a:fld id="{B61BEF0D-F0BB-DE4B-95CE-6DB70DBA9567}" type="datetimeFigureOut">
               <a:rPr lang="en-US" dirty="0"/>
               <a:pPr/>
-              <a:t>10/2/2017</a:t>
+              <a:t>10/3/2017</a:t>
             </a:fld>
             <a:endParaRPr lang="en-US" dirty="0"/>
           </a:p>
@@ -1435,7 +1442,7 @@
             <a:fld id="{B61BEF0D-F0BB-DE4B-95CE-6DB70DBA9567}" type="datetimeFigureOut">
               <a:rPr lang="en-US" dirty="0"/>
               <a:pPr/>
-              <a:t>10/2/2017</a:t>
+              <a:t>10/3/2017</a:t>
             </a:fld>
             <a:endParaRPr lang="en-US" dirty="0"/>
           </a:p>
@@ -1765,7 +1772,7 @@
             <a:fld id="{B61BEF0D-F0BB-DE4B-95CE-6DB70DBA9567}" type="datetimeFigureOut">
               <a:rPr lang="en-US" dirty="0"/>
               <a:pPr/>
-              <a:t>10/2/2017</a:t>
+              <a:t>10/3/2017</a:t>
             </a:fld>
             <a:endParaRPr lang="en-US" dirty="0"/>
           </a:p>
@@ -2076,7 +2083,7 @@
             <a:fld id="{B61BEF0D-F0BB-DE4B-95CE-6DB70DBA9567}" type="datetimeFigureOut">
               <a:rPr lang="en-US" dirty="0"/>
               <a:pPr/>
-              <a:t>10/2/2017</a:t>
+              <a:t>10/3/2017</a:t>
             </a:fld>
             <a:endParaRPr lang="en-US" dirty="0"/>
           </a:p>
@@ -2466,7 +2473,7 @@
             <a:fld id="{B61BEF0D-F0BB-DE4B-95CE-6DB70DBA9567}" type="datetimeFigureOut">
               <a:rPr lang="en-US" dirty="0"/>
               <a:pPr/>
-              <a:t>10/2/2017</a:t>
+              <a:t>10/3/2017</a:t>
             </a:fld>
             <a:endParaRPr lang="en-US" dirty="0"/>
           </a:p>
@@ -2632,7 +2639,7 @@
           <a:p>
             <a:fld id="{55C6B4A9-1611-4792-9094-5F34BCA07E0B}" type="datetimeFigureOut">
               <a:rPr lang="en-US" dirty="0"/>
-              <a:t>10/2/2017</a:t>
+              <a:t>10/3/2017</a:t>
             </a:fld>
             <a:endParaRPr lang="en-US" dirty="0"/>
           </a:p>
@@ -2808,7 +2815,7 @@
             <a:fld id="{B61BEF0D-F0BB-DE4B-95CE-6DB70DBA9567}" type="datetimeFigureOut">
               <a:rPr lang="en-US" dirty="0"/>
               <a:pPr/>
-              <a:t>10/2/2017</a:t>
+              <a:t>10/3/2017</a:t>
             </a:fld>
             <a:endParaRPr lang="en-US" dirty="0"/>
           </a:p>
@@ -2974,7 +2981,7 @@
           <a:p>
             <a:fld id="{42A54C80-263E-416B-A8E0-580EDEADCBDC}" type="datetimeFigureOut">
               <a:rPr lang="en-US" dirty="0"/>
-              <a:t>10/2/2017</a:t>
+              <a:t>10/3/2017</a:t>
             </a:fld>
             <a:endParaRPr lang="en-US" dirty="0"/>
           </a:p>
@@ -3217,7 +3224,7 @@
             <a:fld id="{B61BEF0D-F0BB-DE4B-95CE-6DB70DBA9567}" type="datetimeFigureOut">
               <a:rPr lang="en-US" dirty="0"/>
               <a:pPr/>
-              <a:t>10/2/2017</a:t>
+              <a:t>10/3/2017</a:t>
             </a:fld>
             <a:endParaRPr lang="en-US" dirty="0"/>
           </a:p>
@@ -3445,7 +3452,7 @@
           <a:p>
             <a:fld id="{42A54C80-263E-416B-A8E0-580EDEADCBDC}" type="datetimeFigureOut">
               <a:rPr lang="en-US" dirty="0"/>
-              <a:t>10/2/2017</a:t>
+              <a:t>10/3/2017</a:t>
             </a:fld>
             <a:endParaRPr lang="en-US" dirty="0"/>
           </a:p>
@@ -3815,7 +3822,7 @@
             <a:fld id="{B61BEF0D-F0BB-DE4B-95CE-6DB70DBA9567}" type="datetimeFigureOut">
               <a:rPr lang="en-US" dirty="0"/>
               <a:pPr/>
-              <a:t>10/2/2017</a:t>
+              <a:t>10/3/2017</a:t>
             </a:fld>
             <a:endParaRPr lang="en-US" dirty="0"/>
           </a:p>
@@ -3935,7 +3942,7 @@
             <a:fld id="{B61BEF0D-F0BB-DE4B-95CE-6DB70DBA9567}" type="datetimeFigureOut">
               <a:rPr lang="en-US" dirty="0"/>
               <a:pPr/>
-              <a:t>10/2/2017</a:t>
+              <a:t>10/3/2017</a:t>
             </a:fld>
             <a:endParaRPr lang="en-US" dirty="0"/>
           </a:p>
@@ -4027,7 +4034,7 @@
             <a:fld id="{B61BEF0D-F0BB-DE4B-95CE-6DB70DBA9567}" type="datetimeFigureOut">
               <a:rPr lang="en-US" dirty="0"/>
               <a:pPr/>
-              <a:t>10/2/2017</a:t>
+              <a:t>10/3/2017</a:t>
             </a:fld>
             <a:endParaRPr lang="en-US" dirty="0"/>
           </a:p>
@@ -4278,7 +4285,7 @@
           <a:p>
             <a:fld id="{42A54C80-263E-416B-A8E0-580EDEADCBDC}" type="datetimeFigureOut">
               <a:rPr lang="en-US" dirty="0"/>
-              <a:t>10/2/2017</a:t>
+              <a:t>10/3/2017</a:t>
             </a:fld>
             <a:endParaRPr lang="en-US" dirty="0"/>
           </a:p>
@@ -4580,7 +4587,7 @@
             <a:fld id="{B61BEF0D-F0BB-DE4B-95CE-6DB70DBA9567}" type="datetimeFigureOut">
               <a:rPr lang="en-US" dirty="0"/>
               <a:pPr/>
-              <a:t>10/2/2017</a:t>
+              <a:t>10/3/2017</a:t>
             </a:fld>
             <a:endParaRPr lang="en-US" dirty="0"/>
           </a:p>
@@ -5278,7 +5285,7 @@
             <a:fld id="{B61BEF0D-F0BB-DE4B-95CE-6DB70DBA9567}" type="datetimeFigureOut">
               <a:rPr lang="en-US" dirty="0"/>
               <a:pPr/>
-              <a:t>10/2/2017</a:t>
+              <a:t>10/3/2017</a:t>
             </a:fld>
             <a:endParaRPr lang="en-US" dirty="0"/>
           </a:p>
@@ -6543,12 +6550,296 @@
             <p:ph idx="1"/>
           </p:nvPr>
         </p:nvSpPr>
-        <p:spPr/>
+        <p:spPr>
+          <a:xfrm>
+            <a:off x="758015" y="2429531"/>
+            <a:ext cx="3991485" cy="3880773"/>
+          </a:xfrm>
+        </p:spPr>
         <p:txBody>
           <a:bodyPr/>
           <a:lstStyle/>
           <a:p>
-            <a:endParaRPr lang="it-IT"/>
+            <a:pPr marL="0" indent="0">
+              <a:buNone/>
+            </a:pPr>
+            <a:r>
+              <a:rPr lang="it-IT" sz="2800" dirty="0"/>
+              <a:t>THIS WORK</a:t>
+            </a:r>
+          </a:p>
+          <a:p>
+            <a:pPr>
+              <a:buClr>
+                <a:schemeClr val="tx1"/>
+              </a:buClr>
+              <a:buFont typeface="Wingdings" panose="05000000000000000000" pitchFamily="2" charset="2"/>
+              <a:buChar char="§"/>
+            </a:pPr>
+            <a:r>
+              <a:rPr lang="it-IT" sz="2400" dirty="0"/>
+              <a:t>Time </a:t>
+            </a:r>
+            <a:r>
+              <a:rPr lang="it-IT" sz="2400" dirty="0" err="1"/>
+              <a:t>required</a:t>
+            </a:r>
+            <a:r>
+              <a:rPr lang="it-IT" sz="2400" dirty="0"/>
+              <a:t>:</a:t>
+            </a:r>
+          </a:p>
+          <a:p>
+            <a:pPr marL="0" indent="0">
+              <a:buClr>
+                <a:schemeClr val="tx1"/>
+              </a:buClr>
+              <a:buNone/>
+            </a:pPr>
+            <a:r>
+              <a:rPr lang="it-IT" sz="2400" dirty="0"/>
+              <a:t>    -1 </a:t>
+            </a:r>
+            <a:r>
+              <a:rPr lang="it-IT" sz="2400" dirty="0" err="1"/>
+              <a:t>multiplication</a:t>
+            </a:r>
+            <a:endParaRPr lang="it-IT" sz="2400" dirty="0"/>
+          </a:p>
+          <a:p>
+            <a:pPr marL="0" indent="0">
+              <a:buClr>
+                <a:schemeClr val="tx1"/>
+              </a:buClr>
+              <a:buNone/>
+            </a:pPr>
+            <a:r>
+              <a:rPr lang="it-IT" sz="2400" dirty="0"/>
+              <a:t>    -N-1 </a:t>
+            </a:r>
+            <a:r>
+              <a:rPr lang="it-IT" sz="2400" dirty="0" err="1"/>
+              <a:t>additions</a:t>
+            </a:r>
+            <a:endParaRPr lang="it-IT" sz="2400" dirty="0"/>
+          </a:p>
+          <a:p>
+            <a:pPr>
+              <a:buClr>
+                <a:schemeClr val="tx1"/>
+              </a:buClr>
+              <a:buFont typeface="Wingdings" panose="05000000000000000000" pitchFamily="2" charset="2"/>
+              <a:buChar char="§"/>
+            </a:pPr>
+            <a:r>
+              <a:rPr lang="it-IT" sz="2400" dirty="0"/>
+              <a:t>Area:</a:t>
+            </a:r>
+          </a:p>
+          <a:p>
+            <a:pPr marL="0" indent="0">
+              <a:buClr>
+                <a:schemeClr val="tx1"/>
+              </a:buClr>
+              <a:buNone/>
+            </a:pPr>
+            <a:r>
+              <a:rPr lang="it-IT" sz="2400" dirty="0"/>
+              <a:t>    -</a:t>
+            </a:r>
+            <a:r>
+              <a:rPr lang="it-IT" sz="2400" dirty="0" err="1"/>
+              <a:t>NxN</a:t>
+            </a:r>
+            <a:r>
+              <a:rPr lang="it-IT" sz="2400" dirty="0"/>
+              <a:t> </a:t>
+            </a:r>
+            <a:r>
+              <a:rPr lang="it-IT" sz="2400" dirty="0" err="1"/>
+              <a:t>multiplier</a:t>
+            </a:r>
+            <a:endParaRPr lang="it-IT" sz="2400" dirty="0"/>
+          </a:p>
+          <a:p>
+            <a:pPr marL="0" indent="0">
+              <a:buClr>
+                <a:schemeClr val="tx1"/>
+              </a:buClr>
+              <a:buNone/>
+            </a:pPr>
+            <a:r>
+              <a:rPr lang="it-IT" sz="2400" dirty="0"/>
+              <a:t>    -</a:t>
+            </a:r>
+            <a:r>
+              <a:rPr lang="it-IT" sz="2400" dirty="0" err="1"/>
+              <a:t>NxN</a:t>
+            </a:r>
+            <a:r>
+              <a:rPr lang="it-IT" sz="2400" dirty="0"/>
+              <a:t> </a:t>
+            </a:r>
+            <a:r>
+              <a:rPr lang="it-IT" sz="2400" dirty="0" err="1"/>
+              <a:t>adder</a:t>
+            </a:r>
+            <a:endParaRPr lang="it-IT" sz="2400" dirty="0"/>
+          </a:p>
+          <a:p>
+            <a:endParaRPr lang="it-IT" dirty="0"/>
+          </a:p>
+        </p:txBody>
+      </p:sp>
+      <p:sp>
+        <p:nvSpPr>
+          <p:cNvPr id="4" name="Rettangolo 3"/>
+          <p:cNvSpPr/>
+          <p:nvPr/>
+        </p:nvSpPr>
+        <p:spPr>
+          <a:xfrm>
+            <a:off x="6018902" y="2429531"/>
+            <a:ext cx="3958815" cy="3431709"/>
+          </a:xfrm>
+          <a:prstGeom prst="rect">
+            <a:avLst/>
+          </a:prstGeom>
+        </p:spPr>
+        <p:txBody>
+          <a:bodyPr wrap="square">
+            <a:spAutoFit/>
+          </a:bodyPr>
+          <a:lstStyle/>
+          <a:p>
+            <a:r>
+              <a:rPr lang="it-IT" sz="2800" dirty="0"/>
+              <a:t>SISTOLIC ARRAY</a:t>
+            </a:r>
+          </a:p>
+          <a:p>
+            <a:pPr marL="342900" indent="-342900">
+              <a:spcBef>
+                <a:spcPts val="800"/>
+              </a:spcBef>
+              <a:buFont typeface="Wingdings" panose="05000000000000000000" pitchFamily="2" charset="2"/>
+              <a:buChar char="§"/>
+            </a:pPr>
+            <a:r>
+              <a:rPr lang="it-IT" sz="2400" kern="1400" dirty="0"/>
+              <a:t>Time </a:t>
+            </a:r>
+            <a:r>
+              <a:rPr lang="it-IT" sz="2400" kern="1400" dirty="0" err="1"/>
+              <a:t>required</a:t>
+            </a:r>
+            <a:r>
+              <a:rPr lang="it-IT" sz="2400" kern="1400" dirty="0"/>
+              <a:t>:</a:t>
+            </a:r>
+          </a:p>
+          <a:p>
+            <a:pPr>
+              <a:spcBef>
+                <a:spcPts val="800"/>
+              </a:spcBef>
+            </a:pPr>
+            <a:r>
+              <a:rPr lang="it-IT" sz="2400" kern="1400" dirty="0"/>
+              <a:t>    (2N-1)x(1multiplication</a:t>
+            </a:r>
+          </a:p>
+          <a:p>
+            <a:pPr>
+              <a:spcBef>
+                <a:spcPts val="800"/>
+              </a:spcBef>
+            </a:pPr>
+            <a:r>
+              <a:rPr lang="it-IT" sz="2400" kern="1400" dirty="0"/>
+              <a:t> 	+ 1 </a:t>
+            </a:r>
+            <a:r>
+              <a:rPr lang="it-IT" sz="2400" kern="1400" dirty="0" err="1"/>
+              <a:t>additions</a:t>
+            </a:r>
+            <a:r>
+              <a:rPr lang="it-IT" sz="2400" kern="1400" dirty="0"/>
+              <a:t>)</a:t>
+            </a:r>
+          </a:p>
+          <a:p>
+            <a:pPr>
+              <a:spcBef>
+                <a:spcPts val="800"/>
+              </a:spcBef>
+              <a:spcAft>
+                <a:spcPts val="600"/>
+              </a:spcAft>
+              <a:buClr>
+                <a:schemeClr val="tx1"/>
+              </a:buClr>
+              <a:buFont typeface="Wingdings" panose="05000000000000000000" pitchFamily="2" charset="2"/>
+              <a:buChar char="§"/>
+            </a:pPr>
+            <a:r>
+              <a:rPr lang="it-IT" sz="2400" kern="1400" dirty="0"/>
+              <a:t>Area:</a:t>
+            </a:r>
+          </a:p>
+          <a:p>
+            <a:pPr>
+              <a:spcBef>
+                <a:spcPts val="800"/>
+              </a:spcBef>
+              <a:buClr>
+                <a:schemeClr val="tx1"/>
+              </a:buClr>
+            </a:pPr>
+            <a:r>
+              <a:rPr lang="it-IT" sz="2400" kern="1400" dirty="0"/>
+              <a:t>    -</a:t>
+            </a:r>
+            <a:r>
+              <a:rPr lang="it-IT" sz="2400" kern="1400" dirty="0" err="1"/>
+              <a:t>NxN</a:t>
+            </a:r>
+            <a:r>
+              <a:rPr lang="it-IT" sz="2400" kern="1400" dirty="0"/>
+              <a:t> </a:t>
+            </a:r>
+            <a:r>
+              <a:rPr lang="it-IT" sz="2400" kern="1400" dirty="0" err="1"/>
+              <a:t>multiplier</a:t>
+            </a:r>
+            <a:endParaRPr lang="it-IT" sz="2400" kern="1400" dirty="0"/>
+          </a:p>
+          <a:p>
+            <a:pPr>
+              <a:spcBef>
+                <a:spcPts val="800"/>
+              </a:spcBef>
+              <a:buClr>
+                <a:schemeClr val="tx1"/>
+              </a:buClr>
+            </a:pPr>
+            <a:r>
+              <a:rPr lang="it-IT" sz="2400" kern="1400" dirty="0"/>
+              <a:t>    -</a:t>
+            </a:r>
+            <a:r>
+              <a:rPr lang="it-IT" sz="2400" kern="1400" dirty="0" err="1"/>
+              <a:t>NxN</a:t>
+            </a:r>
+            <a:r>
+              <a:rPr lang="it-IT" sz="2400" kern="1400" dirty="0"/>
+              <a:t> </a:t>
+            </a:r>
+            <a:r>
+              <a:rPr lang="it-IT" sz="2400" kern="1400" dirty="0" err="1"/>
+              <a:t>adder</a:t>
+            </a:r>
+            <a:endParaRPr lang="it-IT" sz="2400" kern="1400" dirty="0"/>
           </a:p>
         </p:txBody>
       </p:sp>
@@ -7264,13 +7555,7 @@
               <a:rPr lang="it-IT" sz="2400" dirty="0">
                 <a:sym typeface="Wingdings" panose="05000000000000000000" pitchFamily="2" charset="2"/>
               </a:rPr>
-              <a:t>, … </a:t>
-            </a:r>
-            <a:r>
-              <a:rPr lang="it-IT" sz="2400" dirty="0">
-                <a:sym typeface="Wingdings" panose="05000000000000000000" pitchFamily="2" charset="2"/>
-              </a:rPr>
-              <a:t>2</a:t>
+              <a:t>, … 2</a:t>
             </a:r>
             <a:r>
               <a:rPr lang="it-IT" sz="2400" baseline="30000" dirty="0">
@@ -8037,6 +8322,1160 @@
 </p:sld>
 </file>
 
+<file path=ppt/slides/slide20.xml><?xml version="1.0" encoding="utf-8"?>
+<p:sld xmlns:a="http://schemas.openxmlformats.org/drawingml/2006/main" xmlns:r="http://schemas.openxmlformats.org/officeDocument/2006/relationships" xmlns:p="http://schemas.openxmlformats.org/presentationml/2006/main">
+  <p:cSld>
+    <p:spTree>
+      <p:nvGrpSpPr>
+        <p:cNvPr id="1" name=""/>
+        <p:cNvGrpSpPr/>
+        <p:nvPr/>
+      </p:nvGrpSpPr>
+      <p:grpSpPr>
+        <a:xfrm>
+          <a:off x="0" y="0"/>
+          <a:ext cx="0" cy="0"/>
+          <a:chOff x="0" y="0"/>
+          <a:chExt cx="0" cy="0"/>
+        </a:xfrm>
+      </p:grpSpPr>
+      <p:sp>
+        <p:nvSpPr>
+          <p:cNvPr id="2" name="Titolo 1"/>
+          <p:cNvSpPr>
+            <a:spLocks noGrp="1"/>
+          </p:cNvSpPr>
+          <p:nvPr>
+            <p:ph type="title"/>
+          </p:nvPr>
+        </p:nvSpPr>
+        <p:spPr/>
+        <p:txBody>
+          <a:bodyPr>
+            <a:normAutofit/>
+          </a:bodyPr>
+          <a:lstStyle/>
+          <a:p>
+            <a:r>
+              <a:rPr lang="it-IT" sz="4400" dirty="0">
+                <a:solidFill>
+                  <a:schemeClr val="accent2"/>
+                </a:solidFill>
+              </a:rPr>
+              <a:t>FIR FILTER</a:t>
+            </a:r>
+            <a:endParaRPr lang="it-IT" sz="4400" dirty="0"/>
+          </a:p>
+        </p:txBody>
+      </p:sp>
+      <p:pic>
+        <p:nvPicPr>
+          <p:cNvPr id="4" name="Segnaposto contenuto 3"/>
+          <p:cNvPicPr>
+            <a:picLocks noGrp="1" noChangeAspect="1"/>
+          </p:cNvPicPr>
+          <p:nvPr>
+            <p:ph idx="1"/>
+          </p:nvPr>
+        </p:nvPicPr>
+        <p:blipFill>
+          <a:blip r:embed="rId2"/>
+          <a:stretch>
+            <a:fillRect/>
+          </a:stretch>
+        </p:blipFill>
+        <p:spPr>
+          <a:xfrm>
+            <a:off x="1092033" y="4116388"/>
+            <a:ext cx="8596312" cy="2228942"/>
+          </a:xfrm>
+          <a:prstGeom prst="rect">
+            <a:avLst/>
+          </a:prstGeom>
+        </p:spPr>
+      </p:pic>
+      <p:sp>
+        <p:nvSpPr>
+          <p:cNvPr id="5" name="Rettangolo 4"/>
+          <p:cNvSpPr/>
+          <p:nvPr/>
+        </p:nvSpPr>
+        <p:spPr>
+          <a:xfrm>
+            <a:off x="677334" y="1800130"/>
+            <a:ext cx="9139019" cy="1569660"/>
+          </a:xfrm>
+          <a:prstGeom prst="rect">
+            <a:avLst/>
+          </a:prstGeom>
+        </p:spPr>
+        <p:txBody>
+          <a:bodyPr wrap="square">
+            <a:spAutoFit/>
+          </a:bodyPr>
+          <a:lstStyle/>
+          <a:p>
+            <a:r>
+              <a:rPr lang="en-US" sz="2400" dirty="0"/>
+              <a:t>The finite impulse response (FIR) filter is called in this way because the filter output is computed as a weighted, finite term sum, of past, present, and perhaps future values of the filter input.</a:t>
+            </a:r>
+            <a:endParaRPr lang="it-IT" sz="2400" dirty="0"/>
+          </a:p>
+        </p:txBody>
+      </p:sp>
+    </p:spTree>
+    <p:extLst>
+      <p:ext uri="{BB962C8B-B14F-4D97-AF65-F5344CB8AC3E}">
+        <p14:creationId xmlns:p14="http://schemas.microsoft.com/office/powerpoint/2010/main" val="1336866795"/>
+      </p:ext>
+    </p:extLst>
+  </p:cSld>
+  <p:clrMapOvr>
+    <a:masterClrMapping/>
+  </p:clrMapOvr>
+</p:sld>
+</file>
+
+<file path=ppt/slides/slide21.xml><?xml version="1.0" encoding="utf-8"?>
+<p:sld xmlns:a="http://schemas.openxmlformats.org/drawingml/2006/main" xmlns:r="http://schemas.openxmlformats.org/officeDocument/2006/relationships" xmlns:p="http://schemas.openxmlformats.org/presentationml/2006/main">
+  <p:cSld>
+    <p:spTree>
+      <p:nvGrpSpPr>
+        <p:cNvPr id="1" name=""/>
+        <p:cNvGrpSpPr/>
+        <p:nvPr/>
+      </p:nvGrpSpPr>
+      <p:grpSpPr>
+        <a:xfrm>
+          <a:off x="0" y="0"/>
+          <a:ext cx="0" cy="0"/>
+          <a:chOff x="0" y="0"/>
+          <a:chExt cx="0" cy="0"/>
+        </a:xfrm>
+      </p:grpSpPr>
+      <p:sp>
+        <p:nvSpPr>
+          <p:cNvPr id="2" name="Titolo 1"/>
+          <p:cNvSpPr>
+            <a:spLocks noGrp="1"/>
+          </p:cNvSpPr>
+          <p:nvPr>
+            <p:ph type="title"/>
+          </p:nvPr>
+        </p:nvSpPr>
+        <p:spPr/>
+        <p:txBody>
+          <a:bodyPr>
+            <a:noAutofit/>
+          </a:bodyPr>
+          <a:lstStyle/>
+          <a:p>
+            <a:r>
+              <a:rPr lang="it-IT" sz="4400" dirty="0">
+                <a:solidFill>
+                  <a:schemeClr val="accent2"/>
+                </a:solidFill>
+              </a:rPr>
+              <a:t>FIR FILTER</a:t>
+            </a:r>
+            <a:br>
+              <a:rPr lang="it-IT" sz="4400" dirty="0">
+                <a:solidFill>
+                  <a:schemeClr val="accent2"/>
+                </a:solidFill>
+              </a:rPr>
+            </a:br>
+            <a:r>
+              <a:rPr lang="it-IT" sz="4400" dirty="0" err="1">
+                <a:solidFill>
+                  <a:schemeClr val="accent2"/>
+                </a:solidFill>
+              </a:rPr>
+              <a:t>Results</a:t>
+            </a:r>
+            <a:endParaRPr lang="it-IT" sz="4400" dirty="0"/>
+          </a:p>
+        </p:txBody>
+      </p:sp>
+      <p:sp>
+        <p:nvSpPr>
+          <p:cNvPr id="3" name="Segnaposto contenuto 2"/>
+          <p:cNvSpPr>
+            <a:spLocks noGrp="1"/>
+          </p:cNvSpPr>
+          <p:nvPr>
+            <p:ph idx="1"/>
+          </p:nvPr>
+        </p:nvSpPr>
+        <p:spPr>
+          <a:xfrm>
+            <a:off x="677334" y="2350546"/>
+            <a:ext cx="8596668" cy="4061012"/>
+          </a:xfrm>
+        </p:spPr>
+        <p:txBody>
+          <a:bodyPr>
+            <a:noAutofit/>
+          </a:bodyPr>
+          <a:lstStyle/>
+          <a:p>
+            <a:pPr>
+              <a:buClr>
+                <a:schemeClr val="tx1"/>
+              </a:buClr>
+              <a:buFont typeface="Wingdings" panose="05000000000000000000" pitchFamily="2" charset="2"/>
+              <a:buChar char="§"/>
+            </a:pPr>
+            <a:r>
+              <a:rPr lang="it-IT" sz="2400" dirty="0"/>
+              <a:t>Time </a:t>
+            </a:r>
+            <a:r>
+              <a:rPr lang="it-IT" sz="2400" dirty="0" err="1"/>
+              <a:t>required</a:t>
+            </a:r>
+            <a:endParaRPr lang="it-IT" sz="2400" dirty="0"/>
+          </a:p>
+          <a:p>
+            <a:pPr marL="0" indent="0">
+              <a:buClr>
+                <a:schemeClr val="tx1"/>
+              </a:buClr>
+              <a:buNone/>
+            </a:pPr>
+            <a:r>
+              <a:rPr lang="it-IT" sz="2400" dirty="0"/>
+              <a:t>	-1 </a:t>
+            </a:r>
+            <a:r>
+              <a:rPr lang="it-IT" sz="2400" dirty="0" err="1"/>
+              <a:t>multiplication</a:t>
+            </a:r>
+            <a:endParaRPr lang="it-IT" sz="2400" dirty="0"/>
+          </a:p>
+          <a:p>
+            <a:pPr marL="0" indent="0">
+              <a:buClr>
+                <a:schemeClr val="tx1"/>
+              </a:buClr>
+              <a:buNone/>
+            </a:pPr>
+            <a:r>
+              <a:rPr lang="it-IT" sz="2400" dirty="0"/>
+              <a:t>	-N-1 </a:t>
+            </a:r>
+            <a:r>
+              <a:rPr lang="it-IT" sz="2400" dirty="0" err="1"/>
+              <a:t>additions</a:t>
+            </a:r>
+            <a:endParaRPr lang="it-IT" sz="2400" dirty="0"/>
+          </a:p>
+          <a:p>
+            <a:pPr marL="0" indent="0">
+              <a:buClr>
+                <a:schemeClr val="tx1"/>
+              </a:buClr>
+              <a:buNone/>
+            </a:pPr>
+            <a:endParaRPr lang="it-IT" sz="2400" dirty="0"/>
+          </a:p>
+          <a:p>
+            <a:pPr>
+              <a:buClr>
+                <a:schemeClr val="tx1"/>
+              </a:buClr>
+              <a:buFont typeface="Wingdings" panose="05000000000000000000" pitchFamily="2" charset="2"/>
+              <a:buChar char="§"/>
+            </a:pPr>
+            <a:r>
+              <a:rPr lang="it-IT" sz="2400" dirty="0"/>
+              <a:t>Area</a:t>
+            </a:r>
+          </a:p>
+          <a:p>
+            <a:pPr marL="0" indent="0">
+              <a:buClr>
+                <a:schemeClr val="tx1"/>
+              </a:buClr>
+              <a:buNone/>
+            </a:pPr>
+            <a:r>
+              <a:rPr lang="it-IT" sz="2400" dirty="0"/>
+              <a:t>	-N-1 </a:t>
+            </a:r>
+            <a:r>
+              <a:rPr lang="it-IT" sz="2400" dirty="0" err="1"/>
+              <a:t>registers</a:t>
+            </a:r>
+            <a:endParaRPr lang="it-IT" sz="2400" dirty="0"/>
+          </a:p>
+          <a:p>
+            <a:pPr marL="0" indent="0">
+              <a:buClr>
+                <a:schemeClr val="tx1"/>
+              </a:buClr>
+              <a:buNone/>
+            </a:pPr>
+            <a:r>
+              <a:rPr lang="it-IT" sz="2400" dirty="0"/>
+              <a:t>	-N </a:t>
+            </a:r>
+            <a:r>
+              <a:rPr lang="it-IT" sz="2400" dirty="0" err="1"/>
+              <a:t>multiplier</a:t>
+            </a:r>
+            <a:endParaRPr lang="it-IT" sz="2400" dirty="0"/>
+          </a:p>
+          <a:p>
+            <a:pPr marL="0" indent="0">
+              <a:buClr>
+                <a:schemeClr val="tx1"/>
+              </a:buClr>
+              <a:buNone/>
+            </a:pPr>
+            <a:r>
+              <a:rPr lang="it-IT" sz="2400" dirty="0"/>
+              <a:t>	-N-1 </a:t>
+            </a:r>
+            <a:r>
+              <a:rPr lang="it-IT" sz="2400" dirty="0" err="1"/>
+              <a:t>adders</a:t>
+            </a:r>
+            <a:endParaRPr lang="it-IT" sz="2400" dirty="0"/>
+          </a:p>
+        </p:txBody>
+      </p:sp>
+    </p:spTree>
+    <p:extLst>
+      <p:ext uri="{BB962C8B-B14F-4D97-AF65-F5344CB8AC3E}">
+        <p14:creationId xmlns:p14="http://schemas.microsoft.com/office/powerpoint/2010/main" val="1621985041"/>
+      </p:ext>
+    </p:extLst>
+  </p:cSld>
+  <p:clrMapOvr>
+    <a:masterClrMapping/>
+  </p:clrMapOvr>
+</p:sld>
+</file>
+
+<file path=ppt/slides/slide22.xml><?xml version="1.0" encoding="utf-8"?>
+<p:sld xmlns:a="http://schemas.openxmlformats.org/drawingml/2006/main" xmlns:r="http://schemas.openxmlformats.org/officeDocument/2006/relationships" xmlns:p="http://schemas.openxmlformats.org/presentationml/2006/main">
+  <p:cSld>
+    <p:spTree>
+      <p:nvGrpSpPr>
+        <p:cNvPr id="1" name=""/>
+        <p:cNvGrpSpPr/>
+        <p:nvPr/>
+      </p:nvGrpSpPr>
+      <p:grpSpPr>
+        <a:xfrm>
+          <a:off x="0" y="0"/>
+          <a:ext cx="0" cy="0"/>
+          <a:chOff x="0" y="0"/>
+          <a:chExt cx="0" cy="0"/>
+        </a:xfrm>
+      </p:grpSpPr>
+      <p:sp>
+        <p:nvSpPr>
+          <p:cNvPr id="2" name="Titolo 1"/>
+          <p:cNvSpPr>
+            <a:spLocks noGrp="1"/>
+          </p:cNvSpPr>
+          <p:nvPr>
+            <p:ph type="title"/>
+          </p:nvPr>
+        </p:nvSpPr>
+        <p:spPr>
+          <a:xfrm>
+            <a:off x="677334" y="609600"/>
+            <a:ext cx="8596668" cy="1181548"/>
+          </a:xfrm>
+        </p:spPr>
+        <p:txBody>
+          <a:bodyPr>
+            <a:normAutofit/>
+          </a:bodyPr>
+          <a:lstStyle/>
+          <a:p>
+            <a:r>
+              <a:rPr lang="it-IT" sz="4400" dirty="0">
+                <a:solidFill>
+                  <a:schemeClr val="accent2"/>
+                </a:solidFill>
+              </a:rPr>
+              <a:t>TRAN SPORT EQUATION PROBLEM</a:t>
+            </a:r>
+            <a:endParaRPr lang="it-IT" sz="4400" dirty="0"/>
+          </a:p>
+        </p:txBody>
+      </p:sp>
+      <p:sp>
+        <p:nvSpPr>
+          <p:cNvPr id="3" name="Segnaposto contenuto 2"/>
+          <p:cNvSpPr>
+            <a:spLocks noGrp="1"/>
+          </p:cNvSpPr>
+          <p:nvPr>
+            <p:ph idx="1"/>
+          </p:nvPr>
+        </p:nvSpPr>
+        <p:spPr>
+          <a:xfrm>
+            <a:off x="677333" y="1791148"/>
+            <a:ext cx="9149777" cy="3880773"/>
+          </a:xfrm>
+        </p:spPr>
+        <p:txBody>
+          <a:bodyPr>
+            <a:normAutofit/>
+          </a:bodyPr>
+          <a:lstStyle/>
+          <a:p>
+            <a:pPr marL="0" indent="0">
+              <a:buNone/>
+            </a:pPr>
+            <a:r>
+              <a:rPr lang="en-US" sz="2400" dirty="0"/>
+              <a:t>The transport equation is a partial diﬀerential equation that describes the distribution of heat (or variation in temperature) in a given region over time. </a:t>
+            </a:r>
+            <a:endParaRPr lang="it-IT" sz="2400" dirty="0"/>
+          </a:p>
+        </p:txBody>
+      </p:sp>
+      <p:pic>
+        <p:nvPicPr>
+          <p:cNvPr id="4" name="Immagine 3"/>
+          <p:cNvPicPr>
+            <a:picLocks noChangeAspect="1"/>
+          </p:cNvPicPr>
+          <p:nvPr/>
+        </p:nvPicPr>
+        <p:blipFill>
+          <a:blip r:embed="rId2"/>
+          <a:stretch>
+            <a:fillRect/>
+          </a:stretch>
+        </p:blipFill>
+        <p:spPr>
+          <a:xfrm>
+            <a:off x="505610" y="5188953"/>
+            <a:ext cx="9992061" cy="839954"/>
+          </a:xfrm>
+          <a:prstGeom prst="rect">
+            <a:avLst/>
+          </a:prstGeom>
+        </p:spPr>
+      </p:pic>
+      <p:pic>
+        <p:nvPicPr>
+          <p:cNvPr id="5" name="Immagine 4"/>
+          <p:cNvPicPr>
+            <a:picLocks noChangeAspect="1"/>
+          </p:cNvPicPr>
+          <p:nvPr/>
+        </p:nvPicPr>
+        <p:blipFill>
+          <a:blip r:embed="rId3"/>
+          <a:stretch>
+            <a:fillRect/>
+          </a:stretch>
+        </p:blipFill>
+        <p:spPr>
+          <a:xfrm>
+            <a:off x="3359407" y="3322053"/>
+            <a:ext cx="3785627" cy="1436244"/>
+          </a:xfrm>
+          <a:prstGeom prst="rect">
+            <a:avLst/>
+          </a:prstGeom>
+        </p:spPr>
+      </p:pic>
+    </p:spTree>
+    <p:extLst>
+      <p:ext uri="{BB962C8B-B14F-4D97-AF65-F5344CB8AC3E}">
+        <p14:creationId xmlns:p14="http://schemas.microsoft.com/office/powerpoint/2010/main" val="1293649700"/>
+      </p:ext>
+    </p:extLst>
+  </p:cSld>
+  <p:clrMapOvr>
+    <a:masterClrMapping/>
+  </p:clrMapOvr>
+</p:sld>
+</file>
+
+<file path=ppt/slides/slide23.xml><?xml version="1.0" encoding="utf-8"?>
+<p:sld xmlns:a="http://schemas.openxmlformats.org/drawingml/2006/main" xmlns:r="http://schemas.openxmlformats.org/officeDocument/2006/relationships" xmlns:p="http://schemas.openxmlformats.org/presentationml/2006/main">
+  <p:cSld>
+    <p:spTree>
+      <p:nvGrpSpPr>
+        <p:cNvPr id="1" name=""/>
+        <p:cNvGrpSpPr/>
+        <p:nvPr/>
+      </p:nvGrpSpPr>
+      <p:grpSpPr>
+        <a:xfrm>
+          <a:off x="0" y="0"/>
+          <a:ext cx="0" cy="0"/>
+          <a:chOff x="0" y="0"/>
+          <a:chExt cx="0" cy="0"/>
+        </a:xfrm>
+      </p:grpSpPr>
+      <p:pic>
+        <p:nvPicPr>
+          <p:cNvPr id="4" name="Segnaposto contenuto 3"/>
+          <p:cNvPicPr>
+            <a:picLocks noGrp="1" noChangeAspect="1"/>
+          </p:cNvPicPr>
+          <p:nvPr>
+            <p:ph idx="1"/>
+          </p:nvPr>
+        </p:nvPicPr>
+        <p:blipFill>
+          <a:blip r:embed="rId2"/>
+          <a:stretch>
+            <a:fillRect/>
+          </a:stretch>
+        </p:blipFill>
+        <p:spPr>
+          <a:xfrm>
+            <a:off x="2628676" y="2446898"/>
+            <a:ext cx="5649334" cy="4351623"/>
+          </a:xfrm>
+          <a:prstGeom prst="rect">
+            <a:avLst/>
+          </a:prstGeom>
+        </p:spPr>
+      </p:pic>
+      <p:sp>
+        <p:nvSpPr>
+          <p:cNvPr id="5" name="Titolo 1"/>
+          <p:cNvSpPr txBox="1">
+            <a:spLocks/>
+          </p:cNvSpPr>
+          <p:nvPr/>
+        </p:nvSpPr>
+        <p:spPr>
+          <a:xfrm>
+            <a:off x="677334" y="609600"/>
+            <a:ext cx="8596668" cy="1181548"/>
+          </a:xfrm>
+          <a:prstGeom prst="rect">
+            <a:avLst/>
+          </a:prstGeom>
+        </p:spPr>
+        <p:txBody>
+          <a:bodyPr vert="horz" lIns="91440" tIns="45720" rIns="91440" bIns="45720" rtlCol="0" anchor="t">
+            <a:normAutofit/>
+          </a:bodyPr>
+          <a:lstStyle>
+            <a:lvl1pPr algn="l" defTabSz="457200" rtl="0" eaLnBrk="1" latinLnBrk="0" hangingPunct="1">
+              <a:spcBef>
+                <a:spcPct val="0"/>
+              </a:spcBef>
+              <a:buNone/>
+              <a:defRPr sz="3600" kern="1200">
+                <a:solidFill>
+                  <a:schemeClr val="accent1"/>
+                </a:solidFill>
+                <a:latin typeface="+mj-lt"/>
+                <a:ea typeface="+mj-ea"/>
+                <a:cs typeface="+mj-cs"/>
+              </a:defRPr>
+            </a:lvl1pPr>
+            <a:lvl2pPr eaLnBrk="1" hangingPunct="1">
+              <a:defRPr>
+                <a:solidFill>
+                  <a:schemeClr val="tx2"/>
+                </a:solidFill>
+              </a:defRPr>
+            </a:lvl2pPr>
+            <a:lvl3pPr eaLnBrk="1" hangingPunct="1">
+              <a:defRPr>
+                <a:solidFill>
+                  <a:schemeClr val="tx2"/>
+                </a:solidFill>
+              </a:defRPr>
+            </a:lvl3pPr>
+            <a:lvl4pPr eaLnBrk="1" hangingPunct="1">
+              <a:defRPr>
+                <a:solidFill>
+                  <a:schemeClr val="tx2"/>
+                </a:solidFill>
+              </a:defRPr>
+            </a:lvl4pPr>
+            <a:lvl5pPr eaLnBrk="1" hangingPunct="1">
+              <a:defRPr>
+                <a:solidFill>
+                  <a:schemeClr val="tx2"/>
+                </a:solidFill>
+              </a:defRPr>
+            </a:lvl5pPr>
+            <a:lvl6pPr eaLnBrk="1" hangingPunct="1">
+              <a:defRPr>
+                <a:solidFill>
+                  <a:schemeClr val="tx2"/>
+                </a:solidFill>
+              </a:defRPr>
+            </a:lvl6pPr>
+            <a:lvl7pPr eaLnBrk="1" hangingPunct="1">
+              <a:defRPr>
+                <a:solidFill>
+                  <a:schemeClr val="tx2"/>
+                </a:solidFill>
+              </a:defRPr>
+            </a:lvl7pPr>
+            <a:lvl8pPr eaLnBrk="1" hangingPunct="1">
+              <a:defRPr>
+                <a:solidFill>
+                  <a:schemeClr val="tx2"/>
+                </a:solidFill>
+              </a:defRPr>
+            </a:lvl8pPr>
+            <a:lvl9pPr eaLnBrk="1" hangingPunct="1">
+              <a:defRPr>
+                <a:solidFill>
+                  <a:schemeClr val="tx2"/>
+                </a:solidFill>
+              </a:defRPr>
+            </a:lvl9pPr>
+          </a:lstStyle>
+          <a:p>
+            <a:r>
+              <a:rPr lang="it-IT" sz="4400" dirty="0">
+                <a:solidFill>
+                  <a:schemeClr val="accent2"/>
+                </a:solidFill>
+              </a:rPr>
+              <a:t>TRAN SPORT EQUATION PROBLEM</a:t>
+            </a:r>
+            <a:endParaRPr lang="it-IT" sz="4400" dirty="0"/>
+          </a:p>
+        </p:txBody>
+      </p:sp>
+      <p:sp>
+        <p:nvSpPr>
+          <p:cNvPr id="6" name="Rettangolo 5"/>
+          <p:cNvSpPr/>
+          <p:nvPr/>
+        </p:nvSpPr>
+        <p:spPr>
+          <a:xfrm>
+            <a:off x="778136" y="1615901"/>
+            <a:ext cx="8247530" cy="830997"/>
+          </a:xfrm>
+          <a:prstGeom prst="rect">
+            <a:avLst/>
+          </a:prstGeom>
+        </p:spPr>
+        <p:txBody>
+          <a:bodyPr wrap="square">
+            <a:spAutoFit/>
+          </a:bodyPr>
+          <a:lstStyle/>
+          <a:p>
+            <a:r>
+              <a:rPr lang="it-IT" sz="2400" dirty="0"/>
+              <a:t>Data are </a:t>
+            </a:r>
+            <a:r>
+              <a:rPr lang="it-IT" sz="2400" dirty="0" err="1"/>
+              <a:t>evolved</a:t>
+            </a:r>
+            <a:r>
+              <a:rPr lang="it-IT" sz="2400" dirty="0"/>
+              <a:t> </a:t>
+            </a:r>
+            <a:r>
+              <a:rPr lang="it-IT" sz="2400" dirty="0" err="1"/>
+              <a:t>along</a:t>
+            </a:r>
+            <a:r>
+              <a:rPr lang="it-IT" sz="2400" dirty="0"/>
+              <a:t> Y=X </a:t>
+            </a:r>
+            <a:r>
+              <a:rPr lang="it-IT" sz="2400" dirty="0" err="1"/>
+              <a:t>direction</a:t>
+            </a:r>
+            <a:r>
+              <a:rPr lang="it-IT" sz="2400" dirty="0"/>
+              <a:t>, i.e. </a:t>
+            </a:r>
+            <a:r>
+              <a:rPr lang="it-IT" sz="2400" dirty="0" err="1"/>
+              <a:t>towards</a:t>
+            </a:r>
+            <a:r>
+              <a:rPr lang="it-IT" sz="2400" dirty="0"/>
+              <a:t> the up-right corner of the coordinate system </a:t>
+            </a:r>
+            <a:endParaRPr lang="it-IT" sz="2400" dirty="0"/>
+          </a:p>
+        </p:txBody>
+      </p:sp>
+    </p:spTree>
+    <p:extLst>
+      <p:ext uri="{BB962C8B-B14F-4D97-AF65-F5344CB8AC3E}">
+        <p14:creationId xmlns:p14="http://schemas.microsoft.com/office/powerpoint/2010/main" val="801436885"/>
+      </p:ext>
+    </p:extLst>
+  </p:cSld>
+  <p:clrMapOvr>
+    <a:masterClrMapping/>
+  </p:clrMapOvr>
+</p:sld>
+</file>
+
+<file path=ppt/slides/slide24.xml><?xml version="1.0" encoding="utf-8"?>
+<p:sld xmlns:a="http://schemas.openxmlformats.org/drawingml/2006/main" xmlns:r="http://schemas.openxmlformats.org/officeDocument/2006/relationships" xmlns:p="http://schemas.openxmlformats.org/presentationml/2006/main">
+  <p:cSld>
+    <p:spTree>
+      <p:nvGrpSpPr>
+        <p:cNvPr id="1" name=""/>
+        <p:cNvGrpSpPr/>
+        <p:nvPr/>
+      </p:nvGrpSpPr>
+      <p:grpSpPr>
+        <a:xfrm>
+          <a:off x="0" y="0"/>
+          <a:ext cx="0" cy="0"/>
+          <a:chOff x="0" y="0"/>
+          <a:chExt cx="0" cy="0"/>
+        </a:xfrm>
+      </p:grpSpPr>
+      <p:sp>
+        <p:nvSpPr>
+          <p:cNvPr id="2" name="Titolo 1"/>
+          <p:cNvSpPr>
+            <a:spLocks noGrp="1"/>
+          </p:cNvSpPr>
+          <p:nvPr>
+            <p:ph type="title"/>
+          </p:nvPr>
+        </p:nvSpPr>
+        <p:spPr/>
+        <p:txBody>
+          <a:bodyPr>
+            <a:noAutofit/>
+          </a:bodyPr>
+          <a:lstStyle/>
+          <a:p>
+            <a:r>
+              <a:rPr lang="it-IT" sz="4400" dirty="0">
+                <a:solidFill>
+                  <a:schemeClr val="accent2"/>
+                </a:solidFill>
+              </a:rPr>
+              <a:t>TRAN SPORT EQUATION PROBLEM</a:t>
+            </a:r>
+            <a:br>
+              <a:rPr lang="it-IT" sz="4400" dirty="0">
+                <a:solidFill>
+                  <a:schemeClr val="accent2"/>
+                </a:solidFill>
+              </a:rPr>
+            </a:br>
+            <a:r>
+              <a:rPr lang="it-IT" sz="4400" dirty="0" err="1">
+                <a:solidFill>
+                  <a:schemeClr val="accent2"/>
+                </a:solidFill>
+              </a:rPr>
+              <a:t>Results</a:t>
+            </a:r>
+            <a:endParaRPr lang="it-IT" sz="4400" dirty="0"/>
+          </a:p>
+        </p:txBody>
+      </p:sp>
+      <p:sp>
+        <p:nvSpPr>
+          <p:cNvPr id="3" name="Segnaposto contenuto 2"/>
+          <p:cNvSpPr>
+            <a:spLocks noGrp="1"/>
+          </p:cNvSpPr>
+          <p:nvPr>
+            <p:ph idx="1"/>
+          </p:nvPr>
+        </p:nvSpPr>
+        <p:spPr/>
+        <p:txBody>
+          <a:bodyPr>
+            <a:normAutofit/>
+          </a:bodyPr>
+          <a:lstStyle/>
+          <a:p>
+            <a:pPr marL="0" indent="0">
+              <a:buNone/>
+            </a:pPr>
+            <a:r>
+              <a:rPr lang="en-US" sz="2400" dirty="0"/>
+              <a:t>Each cell perform the equation in parallel because there is no data dependencies between them.</a:t>
+            </a:r>
+          </a:p>
+          <a:p>
+            <a:pPr marL="0" indent="0">
+              <a:buNone/>
+            </a:pPr>
+            <a:endParaRPr lang="en-US" sz="2400" dirty="0"/>
+          </a:p>
+          <a:p>
+            <a:pPr>
+              <a:buClrTx/>
+              <a:buFont typeface="Wingdings" panose="05000000000000000000" pitchFamily="2" charset="2"/>
+              <a:buChar char="§"/>
+            </a:pPr>
+            <a:r>
+              <a:rPr lang="en-US" sz="2400" dirty="0"/>
+              <a:t>Area: 3NxN adders,  </a:t>
+            </a:r>
+            <a:r>
+              <a:rPr lang="en-US" sz="2400" dirty="0" err="1"/>
+              <a:t>NxN</a:t>
+            </a:r>
+            <a:r>
+              <a:rPr lang="en-US" sz="2400" dirty="0"/>
+              <a:t> </a:t>
+            </a:r>
+            <a:r>
+              <a:rPr lang="en-US" sz="2400" dirty="0" err="1"/>
+              <a:t>substractors</a:t>
+            </a:r>
+            <a:r>
+              <a:rPr lang="en-US" sz="2400" dirty="0"/>
+              <a:t>, </a:t>
+            </a:r>
+            <a:r>
+              <a:rPr lang="en-US" sz="2400" dirty="0" err="1"/>
+              <a:t>NxN</a:t>
+            </a:r>
+            <a:r>
+              <a:rPr lang="en-US" sz="2400" dirty="0"/>
+              <a:t> multipliers </a:t>
+            </a:r>
+          </a:p>
+          <a:p>
+            <a:pPr>
+              <a:buClrTx/>
+              <a:buFont typeface="Wingdings" panose="05000000000000000000" pitchFamily="2" charset="2"/>
+              <a:buChar char="§"/>
+            </a:pPr>
+            <a:r>
+              <a:rPr lang="en-US" sz="2400" dirty="0"/>
+              <a:t>Time: Time for one </a:t>
+            </a:r>
+            <a:r>
+              <a:rPr lang="en-US" sz="2400" dirty="0" err="1"/>
+              <a:t>one</a:t>
+            </a:r>
+            <a:r>
+              <a:rPr lang="en-US" sz="2400" dirty="0"/>
+              <a:t> multiplication and 3 additions</a:t>
+            </a:r>
+            <a:endParaRPr lang="it-IT" sz="2400" dirty="0"/>
+          </a:p>
+        </p:txBody>
+      </p:sp>
+    </p:spTree>
+    <p:extLst>
+      <p:ext uri="{BB962C8B-B14F-4D97-AF65-F5344CB8AC3E}">
+        <p14:creationId xmlns:p14="http://schemas.microsoft.com/office/powerpoint/2010/main" val="744092492"/>
+      </p:ext>
+    </p:extLst>
+  </p:cSld>
+  <p:clrMapOvr>
+    <a:masterClrMapping/>
+  </p:clrMapOvr>
+</p:sld>
+</file>
+
+<file path=ppt/slides/slide25.xml><?xml version="1.0" encoding="utf-8"?>
+<p:sld xmlns:a="http://schemas.openxmlformats.org/drawingml/2006/main" xmlns:r="http://schemas.openxmlformats.org/officeDocument/2006/relationships" xmlns:p="http://schemas.openxmlformats.org/presentationml/2006/main">
+  <p:cSld>
+    <p:spTree>
+      <p:nvGrpSpPr>
+        <p:cNvPr id="1" name=""/>
+        <p:cNvGrpSpPr/>
+        <p:nvPr/>
+      </p:nvGrpSpPr>
+      <p:grpSpPr>
+        <a:xfrm>
+          <a:off x="0" y="0"/>
+          <a:ext cx="0" cy="0"/>
+          <a:chOff x="0" y="0"/>
+          <a:chExt cx="0" cy="0"/>
+        </a:xfrm>
+      </p:grpSpPr>
+      <p:sp>
+        <p:nvSpPr>
+          <p:cNvPr id="2" name="Titolo 1"/>
+          <p:cNvSpPr>
+            <a:spLocks noGrp="1"/>
+          </p:cNvSpPr>
+          <p:nvPr>
+            <p:ph type="title"/>
+          </p:nvPr>
+        </p:nvSpPr>
+        <p:spPr>
+          <a:xfrm>
+            <a:off x="677334" y="609600"/>
+            <a:ext cx="10451452" cy="1320800"/>
+          </a:xfrm>
+        </p:spPr>
+        <p:txBody>
+          <a:bodyPr>
+            <a:noAutofit/>
+          </a:bodyPr>
+          <a:lstStyle/>
+          <a:p>
+            <a:r>
+              <a:rPr lang="it-IT" sz="4400" dirty="0">
+                <a:solidFill>
+                  <a:schemeClr val="accent2"/>
+                </a:solidFill>
+              </a:rPr>
+              <a:t>MAGNETOSTATIC FIELD </a:t>
+            </a:r>
+            <a:br>
+              <a:rPr lang="it-IT" sz="4400" dirty="0">
+                <a:solidFill>
+                  <a:schemeClr val="accent2"/>
+                </a:solidFill>
+              </a:rPr>
+            </a:br>
+            <a:r>
+              <a:rPr lang="it-IT" sz="4400" dirty="0">
+                <a:solidFill>
+                  <a:schemeClr val="accent2"/>
+                </a:solidFill>
+              </a:rPr>
+              <a:t>CALCULATION 3D</a:t>
+            </a:r>
+            <a:endParaRPr lang="it-IT" sz="4400" dirty="0"/>
+          </a:p>
+        </p:txBody>
+      </p:sp>
+      <p:sp>
+        <p:nvSpPr>
+          <p:cNvPr id="3" name="Segnaposto contenuto 2"/>
+          <p:cNvSpPr>
+            <a:spLocks noGrp="1"/>
+          </p:cNvSpPr>
+          <p:nvPr>
+            <p:ph idx="1"/>
+          </p:nvPr>
+        </p:nvSpPr>
+        <p:spPr>
+          <a:xfrm>
+            <a:off x="1026958" y="2393817"/>
+            <a:ext cx="8596668" cy="1696027"/>
+          </a:xfrm>
+        </p:spPr>
+        <p:txBody>
+          <a:bodyPr>
+            <a:normAutofit/>
+          </a:bodyPr>
+          <a:lstStyle/>
+          <a:p>
+            <a:pPr marL="0" indent="0">
+              <a:buNone/>
+            </a:pPr>
+            <a:r>
+              <a:rPr lang="en-US" sz="2400" dirty="0"/>
+              <a:t>The </a:t>
+            </a:r>
+            <a:r>
+              <a:rPr lang="en-US" sz="2400" dirty="0" err="1"/>
+              <a:t>magnetostatic</a:t>
+            </a:r>
+            <a:r>
+              <a:rPr lang="en-US" sz="2400" dirty="0"/>
+              <a:t> ﬁeld is connected to the magnetization through the magnetizing tensor.</a:t>
+            </a:r>
+          </a:p>
+          <a:p>
+            <a:pPr marL="0" indent="0">
+              <a:buNone/>
+            </a:pPr>
+            <a:r>
+              <a:rPr lang="en-US" sz="2400" dirty="0"/>
+              <a:t>The evaluation of the </a:t>
+            </a:r>
+            <a:r>
+              <a:rPr lang="en-US" sz="2400" dirty="0" err="1"/>
+              <a:t>magnetostatic</a:t>
+            </a:r>
+            <a:r>
+              <a:rPr lang="en-US" sz="2400" dirty="0"/>
+              <a:t> ﬁeld of a given cell requires the summation of all cells of the mesh.</a:t>
+            </a:r>
+          </a:p>
+          <a:p>
+            <a:pPr marL="0" indent="0">
+              <a:buNone/>
+            </a:pPr>
+            <a:endParaRPr lang="it-IT" sz="2400" dirty="0"/>
+          </a:p>
+        </p:txBody>
+      </p:sp>
+      <p:pic>
+        <p:nvPicPr>
+          <p:cNvPr id="4" name="Immagine 3"/>
+          <p:cNvPicPr>
+            <a:picLocks noChangeAspect="1"/>
+          </p:cNvPicPr>
+          <p:nvPr/>
+        </p:nvPicPr>
+        <p:blipFill>
+          <a:blip r:embed="rId2"/>
+          <a:stretch>
+            <a:fillRect/>
+          </a:stretch>
+        </p:blipFill>
+        <p:spPr>
+          <a:xfrm>
+            <a:off x="1198704" y="4553262"/>
+            <a:ext cx="8527012" cy="1820643"/>
+          </a:xfrm>
+          <a:prstGeom prst="rect">
+            <a:avLst/>
+          </a:prstGeom>
+        </p:spPr>
+      </p:pic>
+    </p:spTree>
+    <p:extLst>
+      <p:ext uri="{BB962C8B-B14F-4D97-AF65-F5344CB8AC3E}">
+        <p14:creationId xmlns:p14="http://schemas.microsoft.com/office/powerpoint/2010/main" val="1185541094"/>
+      </p:ext>
+    </p:extLst>
+  </p:cSld>
+  <p:clrMapOvr>
+    <a:masterClrMapping/>
+  </p:clrMapOvr>
+</p:sld>
+</file>
+
+<file path=ppt/slides/slide26.xml><?xml version="1.0" encoding="utf-8"?>
+<p:sld xmlns:a="http://schemas.openxmlformats.org/drawingml/2006/main" xmlns:r="http://schemas.openxmlformats.org/officeDocument/2006/relationships" xmlns:p="http://schemas.openxmlformats.org/presentationml/2006/main">
+  <p:cSld>
+    <p:spTree>
+      <p:nvGrpSpPr>
+        <p:cNvPr id="1" name=""/>
+        <p:cNvGrpSpPr/>
+        <p:nvPr/>
+      </p:nvGrpSpPr>
+      <p:grpSpPr>
+        <a:xfrm>
+          <a:off x="0" y="0"/>
+          <a:ext cx="0" cy="0"/>
+          <a:chOff x="0" y="0"/>
+          <a:chExt cx="0" cy="0"/>
+        </a:xfrm>
+      </p:grpSpPr>
+      <p:sp>
+        <p:nvSpPr>
+          <p:cNvPr id="2" name="Titolo 1"/>
+          <p:cNvSpPr>
+            <a:spLocks noGrp="1"/>
+          </p:cNvSpPr>
+          <p:nvPr>
+            <p:ph type="title"/>
+          </p:nvPr>
+        </p:nvSpPr>
+        <p:spPr>
+          <a:xfrm>
+            <a:off x="677333" y="609600"/>
+            <a:ext cx="9988873" cy="1320800"/>
+          </a:xfrm>
+        </p:spPr>
+        <p:txBody>
+          <a:bodyPr>
+            <a:noAutofit/>
+          </a:bodyPr>
+          <a:lstStyle/>
+          <a:p>
+            <a:r>
+              <a:rPr lang="it-IT" sz="4400" dirty="0">
+                <a:solidFill>
+                  <a:schemeClr val="accent2"/>
+                </a:solidFill>
+              </a:rPr>
+              <a:t>MAGNETOSTATIC FIELD </a:t>
+            </a:r>
+            <a:br>
+              <a:rPr lang="it-IT" sz="4400" dirty="0">
+                <a:solidFill>
+                  <a:schemeClr val="accent2"/>
+                </a:solidFill>
+              </a:rPr>
+            </a:br>
+            <a:r>
+              <a:rPr lang="it-IT" sz="4400" dirty="0">
+                <a:solidFill>
+                  <a:schemeClr val="accent2"/>
+                </a:solidFill>
+              </a:rPr>
+              <a:t>CALCULATION 3D</a:t>
+            </a:r>
+            <a:endParaRPr lang="it-IT" sz="4400" dirty="0"/>
+          </a:p>
+        </p:txBody>
+      </p:sp>
+      <p:sp>
+        <p:nvSpPr>
+          <p:cNvPr id="3" name="Segnaposto contenuto 2"/>
+          <p:cNvSpPr>
+            <a:spLocks noGrp="1"/>
+          </p:cNvSpPr>
+          <p:nvPr>
+            <p:ph idx="1"/>
+          </p:nvPr>
+        </p:nvSpPr>
+        <p:spPr/>
+        <p:txBody>
+          <a:bodyPr/>
+          <a:lstStyle/>
+          <a:p>
+            <a:endParaRPr lang="it-IT"/>
+          </a:p>
+        </p:txBody>
+      </p:sp>
+      <p:pic>
+        <p:nvPicPr>
+          <p:cNvPr id="4" name="Immagine 3"/>
+          <p:cNvPicPr>
+            <a:picLocks noChangeAspect="1"/>
+          </p:cNvPicPr>
+          <p:nvPr/>
+        </p:nvPicPr>
+        <p:blipFill>
+          <a:blip r:embed="rId2"/>
+          <a:stretch>
+            <a:fillRect/>
+          </a:stretch>
+        </p:blipFill>
+        <p:spPr>
+          <a:xfrm>
+            <a:off x="758016" y="1973431"/>
+            <a:ext cx="9056494" cy="4799909"/>
+          </a:xfrm>
+          <a:prstGeom prst="rect">
+            <a:avLst/>
+          </a:prstGeom>
+        </p:spPr>
+      </p:pic>
+    </p:spTree>
+    <p:extLst>
+      <p:ext uri="{BB962C8B-B14F-4D97-AF65-F5344CB8AC3E}">
+        <p14:creationId xmlns:p14="http://schemas.microsoft.com/office/powerpoint/2010/main" val="2566728411"/>
+      </p:ext>
+    </p:extLst>
+  </p:cSld>
+  <p:clrMapOvr>
+    <a:masterClrMapping/>
+  </p:clrMapOvr>
+</p:sld>
+</file>
+
 <file path=ppt/slides/slide3.xml><?xml version="1.0" encoding="utf-8"?>
 <p:sld xmlns:a="http://schemas.openxmlformats.org/drawingml/2006/main" xmlns:r="http://schemas.openxmlformats.org/officeDocument/2006/relationships" xmlns:p="http://schemas.openxmlformats.org/presentationml/2006/main">
   <p:cSld>
@@ -8408,8 +9847,8 @@
           </a:prstGeom>
         </p:spPr>
       </p:pic>
-      <mc:AlternateContent xmlns:mc="http://schemas.openxmlformats.org/markup-compatibility/2006">
-        <mc:Choice xmlns:a14="http://schemas.microsoft.com/office/drawing/2010/main" Requires="a14">
+      <mc:AlternateContent xmlns:mc="http://schemas.openxmlformats.org/markup-compatibility/2006" xmlns:a14="http://schemas.microsoft.com/office/drawing/2010/main">
+        <mc:Choice Requires="a14">
           <p:sp>
             <p:nvSpPr>
               <p:cNvPr id="3" name="CasellaDiTesto 2"/>
@@ -8432,6 +9871,7 @@
               </a:bodyPr>
               <a:lstStyle/>
               <a:p>
+                <a:pPr/>
                 <a14:m>
                   <m:oMathPara xmlns:m="http://schemas.openxmlformats.org/officeDocument/2006/math">
                     <m:oMathParaPr>
@@ -8526,7 +9966,7 @@
             </p:txBody>
           </p:sp>
         </mc:Choice>
-        <mc:Fallback>
+        <mc:Fallback xmlns="">
           <p:sp>
             <p:nvSpPr>
               <p:cNvPr id="3" name="CasellaDiTesto 2"/>
@@ -8951,8 +10391,8 @@
           </a:p>
         </p:txBody>
       </p:sp>
-      <mc:AlternateContent xmlns:mc="http://schemas.openxmlformats.org/markup-compatibility/2006">
-        <mc:Choice xmlns:a14="http://schemas.microsoft.com/office/drawing/2010/main" Requires="a14">
+      <mc:AlternateContent xmlns:mc="http://schemas.openxmlformats.org/markup-compatibility/2006" xmlns:a14="http://schemas.microsoft.com/office/drawing/2010/main">
+        <mc:Choice Requires="a14">
           <p:sp>
             <p:nvSpPr>
               <p:cNvPr id="3" name="Segnaposto contenuto 2"/>
@@ -9097,7 +10537,7 @@
             </p:txBody>
           </p:sp>
         </mc:Choice>
-        <mc:Fallback>
+        <mc:Fallback xmlns="">
           <p:sp>
             <p:nvSpPr>
               <p:cNvPr id="3" name="Segnaposto contenuto 2"/>
